--- a/04-UnitTesting.pptx
+++ b/04-UnitTesting.pptx
@@ -5,23 +5,30 @@
     <p:sldMasterId id="2147483912" r:id="rId4"/>
   </p:sldMasterIdLst>
   <p:notesMasterIdLst>
-    <p:notesMasterId r:id="rId19"/>
+    <p:notesMasterId r:id="rId26"/>
   </p:notesMasterIdLst>
   <p:sldIdLst>
     <p:sldId id="256" r:id="rId5"/>
     <p:sldId id="277" r:id="rId6"/>
-    <p:sldId id="280" r:id="rId7"/>
-    <p:sldId id="281" r:id="rId8"/>
-    <p:sldId id="308" r:id="rId9"/>
-    <p:sldId id="294" r:id="rId10"/>
-    <p:sldId id="282" r:id="rId11"/>
-    <p:sldId id="305" r:id="rId12"/>
-    <p:sldId id="310" r:id="rId13"/>
-    <p:sldId id="311" r:id="rId14"/>
-    <p:sldId id="312" r:id="rId15"/>
-    <p:sldId id="309" r:id="rId16"/>
-    <p:sldId id="289" r:id="rId17"/>
-    <p:sldId id="279" r:id="rId18"/>
+    <p:sldId id="315" r:id="rId7"/>
+    <p:sldId id="313" r:id="rId8"/>
+    <p:sldId id="314" r:id="rId9"/>
+    <p:sldId id="322" r:id="rId10"/>
+    <p:sldId id="316" r:id="rId11"/>
+    <p:sldId id="319" r:id="rId12"/>
+    <p:sldId id="320" r:id="rId13"/>
+    <p:sldId id="321" r:id="rId14"/>
+    <p:sldId id="325" r:id="rId15"/>
+    <p:sldId id="324" r:id="rId16"/>
+    <p:sldId id="327" r:id="rId17"/>
+    <p:sldId id="317" r:id="rId18"/>
+    <p:sldId id="328" r:id="rId19"/>
+    <p:sldId id="329" r:id="rId20"/>
+    <p:sldId id="330" r:id="rId21"/>
+    <p:sldId id="323" r:id="rId22"/>
+    <p:sldId id="326" r:id="rId23"/>
+    <p:sldId id="331" r:id="rId24"/>
+    <p:sldId id="279" r:id="rId25"/>
   </p:sldIdLst>
   <p:sldSz cx="12192000" cy="6858000"/>
   <p:notesSz cx="6858000" cy="9144000"/>
@@ -127,17 +134,24 @@
           <p14:sldIdLst>
             <p14:sldId id="256"/>
             <p14:sldId id="277"/>
-            <p14:sldId id="280"/>
-            <p14:sldId id="281"/>
-            <p14:sldId id="308"/>
-            <p14:sldId id="294"/>
-            <p14:sldId id="282"/>
-            <p14:sldId id="305"/>
-            <p14:sldId id="310"/>
-            <p14:sldId id="311"/>
-            <p14:sldId id="312"/>
-            <p14:sldId id="309"/>
-            <p14:sldId id="289"/>
+            <p14:sldId id="315"/>
+            <p14:sldId id="313"/>
+            <p14:sldId id="314"/>
+            <p14:sldId id="322"/>
+            <p14:sldId id="316"/>
+            <p14:sldId id="319"/>
+            <p14:sldId id="320"/>
+            <p14:sldId id="321"/>
+            <p14:sldId id="325"/>
+            <p14:sldId id="324"/>
+            <p14:sldId id="327"/>
+            <p14:sldId id="317"/>
+            <p14:sldId id="328"/>
+            <p14:sldId id="329"/>
+            <p14:sldId id="330"/>
+            <p14:sldId id="323"/>
+            <p14:sldId id="326"/>
+            <p14:sldId id="331"/>
             <p14:sldId id="279"/>
           </p14:sldIdLst>
         </p14:section>
@@ -238,7 +252,7 @@
           <a:p>
             <a:fld id="{761991DB-DEE8-4174-9435-9D9F721C6C6A}" type="datetimeFigureOut">
               <a:rPr lang="en-US"/>
-              <a:t>9/24/2014</a:t>
+              <a:t>9/30/2014</a:t>
             </a:fld>
             <a:endParaRPr lang="en-US"/>
           </a:p>
@@ -717,7 +731,13 @@
           <a:bodyPr/>
           <a:lstStyle/>
           <a:p>
-            <a:endParaRPr lang="en-US" dirty="0"/>
+            <a:r>
+              <a:rPr lang="en-CA" dirty="0" smtClean="0"/>
+              <a:t>Taken from http://www.vogella.com/tutorials/JUnit/article.html</a:t>
+            </a:r>
+          </a:p>
+          <a:p>
+            <a:endParaRPr lang="en-CA" dirty="0"/>
           </a:p>
         </p:txBody>
       </p:sp>
@@ -737,8 +757,8 @@
           <a:lstStyle/>
           <a:p>
             <a:fld id="{A7666ED7-631A-46AF-B451-227D0A8685A0}" type="slidenum">
-              <a:rPr lang="en-US"/>
-              <a:t>3</a:t>
+              <a:rPr lang="en-US" smtClean="0"/>
+              <a:t>16</a:t>
             </a:fld>
             <a:endParaRPr lang="en-US"/>
           </a:p>
@@ -747,7 +767,7 @@
     </p:spTree>
     <p:extLst>
       <p:ext uri="{BB962C8B-B14F-4D97-AF65-F5344CB8AC3E}">
-        <p14:creationId xmlns:p14="http://schemas.microsoft.com/office/powerpoint/2010/main" val="2257039863"/>
+        <p14:creationId xmlns:p14="http://schemas.microsoft.com/office/powerpoint/2010/main" val="2292760533"/>
       </p:ext>
     </p:extLst>
   </p:cSld>
@@ -801,6 +821,16 @@
           <a:bodyPr/>
           <a:lstStyle/>
           <a:p>
+            <a:r>
+              <a:rPr lang="en-CA" dirty="0" smtClean="0"/>
+              <a:t>Taken</a:t>
+            </a:r>
+            <a:r>
+              <a:rPr lang="en-CA" baseline="0" dirty="0" smtClean="0"/>
+              <a:t> from http://www.vogella.com/tutorials/JUnit/article.html</a:t>
+            </a:r>
+          </a:p>
+          <a:p>
             <a:endParaRPr lang="en-CA" dirty="0"/>
           </a:p>
         </p:txBody>
@@ -822,7 +852,7 @@
           <a:p>
             <a:fld id="{A7666ED7-631A-46AF-B451-227D0A8685A0}" type="slidenum">
               <a:rPr lang="en-US" smtClean="0"/>
-              <a:t>5</a:t>
+              <a:t>17</a:t>
             </a:fld>
             <a:endParaRPr lang="en-US"/>
           </a:p>
@@ -831,175 +861,7 @@
     </p:spTree>
     <p:extLst>
       <p:ext uri="{BB962C8B-B14F-4D97-AF65-F5344CB8AC3E}">
-        <p14:creationId xmlns:p14="http://schemas.microsoft.com/office/powerpoint/2010/main" val="788273029"/>
-      </p:ext>
-    </p:extLst>
-  </p:cSld>
-  <p:clrMapOvr>
-    <a:masterClrMapping/>
-  </p:clrMapOvr>
-</p:notes>
-</file>
-
-<file path=ppt/notesSlides/notesSlide5.xml><?xml version="1.0" encoding="utf-8"?>
-<p:notes xmlns:a="http://schemas.openxmlformats.org/drawingml/2006/main" xmlns:r="http://schemas.openxmlformats.org/officeDocument/2006/relationships" xmlns:p="http://schemas.openxmlformats.org/presentationml/2006/main">
-  <p:cSld>
-    <p:spTree>
-      <p:nvGrpSpPr>
-        <p:cNvPr id="1" name=""/>
-        <p:cNvGrpSpPr/>
-        <p:nvPr/>
-      </p:nvGrpSpPr>
-      <p:grpSpPr>
-        <a:xfrm>
-          <a:off x="0" y="0"/>
-          <a:ext cx="0" cy="0"/>
-          <a:chOff x="0" y="0"/>
-          <a:chExt cx="0" cy="0"/>
-        </a:xfrm>
-      </p:grpSpPr>
-      <p:sp>
-        <p:nvSpPr>
-          <p:cNvPr id="2" name="Slide Image Placeholder 1"/>
-          <p:cNvSpPr>
-            <a:spLocks noGrp="1" noRot="1" noChangeAspect="1"/>
-          </p:cNvSpPr>
-          <p:nvPr>
-            <p:ph type="sldImg"/>
-          </p:nvPr>
-        </p:nvSpPr>
-        <p:spPr/>
-      </p:sp>
-      <p:sp>
-        <p:nvSpPr>
-          <p:cNvPr id="3" name="Notes Placeholder 2"/>
-          <p:cNvSpPr>
-            <a:spLocks noGrp="1"/>
-          </p:cNvSpPr>
-          <p:nvPr>
-            <p:ph type="body" idx="1"/>
-          </p:nvPr>
-        </p:nvSpPr>
-        <p:spPr/>
-        <p:txBody>
-          <a:bodyPr/>
-          <a:lstStyle/>
-          <a:p>
-            <a:endParaRPr lang="en-CA"/>
-          </a:p>
-        </p:txBody>
-      </p:sp>
-      <p:sp>
-        <p:nvSpPr>
-          <p:cNvPr id="4" name="Slide Number Placeholder 3"/>
-          <p:cNvSpPr>
-            <a:spLocks noGrp="1"/>
-          </p:cNvSpPr>
-          <p:nvPr>
-            <p:ph type="sldNum" sz="quarter" idx="10"/>
-          </p:nvPr>
-        </p:nvSpPr>
-        <p:spPr/>
-        <p:txBody>
-          <a:bodyPr/>
-          <a:lstStyle/>
-          <a:p>
-            <a:fld id="{A7666ED7-631A-46AF-B451-227D0A8685A0}" type="slidenum">
-              <a:rPr lang="en-US" smtClean="0"/>
-              <a:t>7</a:t>
-            </a:fld>
-            <a:endParaRPr lang="en-US"/>
-          </a:p>
-        </p:txBody>
-      </p:sp>
-    </p:spTree>
-    <p:extLst>
-      <p:ext uri="{BB962C8B-B14F-4D97-AF65-F5344CB8AC3E}">
-        <p14:creationId xmlns:p14="http://schemas.microsoft.com/office/powerpoint/2010/main" val="4068516959"/>
-      </p:ext>
-    </p:extLst>
-  </p:cSld>
-  <p:clrMapOvr>
-    <a:masterClrMapping/>
-  </p:clrMapOvr>
-</p:notes>
-</file>
-
-<file path=ppt/notesSlides/notesSlide6.xml><?xml version="1.0" encoding="utf-8"?>
-<p:notes xmlns:a="http://schemas.openxmlformats.org/drawingml/2006/main" xmlns:r="http://schemas.openxmlformats.org/officeDocument/2006/relationships" xmlns:p="http://schemas.openxmlformats.org/presentationml/2006/main">
-  <p:cSld>
-    <p:spTree>
-      <p:nvGrpSpPr>
-        <p:cNvPr id="1" name=""/>
-        <p:cNvGrpSpPr/>
-        <p:nvPr/>
-      </p:nvGrpSpPr>
-      <p:grpSpPr>
-        <a:xfrm>
-          <a:off x="0" y="0"/>
-          <a:ext cx="0" cy="0"/>
-          <a:chOff x="0" y="0"/>
-          <a:chExt cx="0" cy="0"/>
-        </a:xfrm>
-      </p:grpSpPr>
-      <p:sp>
-        <p:nvSpPr>
-          <p:cNvPr id="2" name="Slide Image Placeholder 1"/>
-          <p:cNvSpPr>
-            <a:spLocks noGrp="1" noRot="1" noChangeAspect="1"/>
-          </p:cNvSpPr>
-          <p:nvPr>
-            <p:ph type="sldImg"/>
-          </p:nvPr>
-        </p:nvSpPr>
-        <p:spPr/>
-      </p:sp>
-      <p:sp>
-        <p:nvSpPr>
-          <p:cNvPr id="3" name="Notes Placeholder 2"/>
-          <p:cNvSpPr>
-            <a:spLocks noGrp="1"/>
-          </p:cNvSpPr>
-          <p:nvPr>
-            <p:ph type="body" idx="1"/>
-          </p:nvPr>
-        </p:nvSpPr>
-        <p:spPr/>
-        <p:txBody>
-          <a:bodyPr/>
-          <a:lstStyle/>
-          <a:p>
-            <a:endParaRPr lang="en-CA" dirty="0"/>
-          </a:p>
-        </p:txBody>
-      </p:sp>
-      <p:sp>
-        <p:nvSpPr>
-          <p:cNvPr id="4" name="Slide Number Placeholder 3"/>
-          <p:cNvSpPr>
-            <a:spLocks noGrp="1"/>
-          </p:cNvSpPr>
-          <p:nvPr>
-            <p:ph type="sldNum" sz="quarter" idx="10"/>
-          </p:nvPr>
-        </p:nvSpPr>
-        <p:spPr/>
-        <p:txBody>
-          <a:bodyPr/>
-          <a:lstStyle/>
-          <a:p>
-            <a:fld id="{A7666ED7-631A-46AF-B451-227D0A8685A0}" type="slidenum">
-              <a:rPr lang="en-US" smtClean="0"/>
-              <a:t>13</a:t>
-            </a:fld>
-            <a:endParaRPr lang="en-US"/>
-          </a:p>
-        </p:txBody>
-      </p:sp>
-    </p:spTree>
-    <p:extLst>
-      <p:ext uri="{BB962C8B-B14F-4D97-AF65-F5344CB8AC3E}">
-        <p14:creationId xmlns:p14="http://schemas.microsoft.com/office/powerpoint/2010/main" val="1829364677"/>
+        <p14:creationId xmlns:p14="http://schemas.microsoft.com/office/powerpoint/2010/main" val="986005684"/>
       </p:ext>
     </p:extLst>
   </p:cSld>
@@ -1210,7 +1072,7 @@
             <a:fld id="{5586B75A-687E-405C-8A0B-8D00578BA2C3}" type="datetimeFigureOut">
               <a:rPr lang="en-US" smtClean="0"/>
               <a:pPr/>
-              <a:t>9/24/2014</a:t>
+              <a:t>9/30/2014</a:t>
             </a:fld>
             <a:endParaRPr lang="en-US" dirty="0"/>
           </a:p>
@@ -1413,7 +1275,7 @@
           <a:p>
             <a:fld id="{5F4E5243-F52A-4D37-9694-EB26C6C31910}" type="datetimeFigureOut">
               <a:rPr lang="en-US" smtClean="0"/>
-              <a:t>9/24/2014</a:t>
+              <a:t>9/30/2014</a:t>
             </a:fld>
             <a:endParaRPr lang="en-US" dirty="0"/>
           </a:p>
@@ -1605,7 +1467,7 @@
           <a:p>
             <a:fld id="{3A77B6E1-634A-48DC-9E8B-D894023267EF}" type="datetimeFigureOut">
               <a:rPr lang="en-US" smtClean="0"/>
-              <a:t>9/24/2014</a:t>
+              <a:t>9/30/2014</a:t>
             </a:fld>
             <a:endParaRPr lang="en-US" dirty="0"/>
           </a:p>
@@ -1787,7 +1649,7 @@
           <a:p>
             <a:fld id="{7B2D3E9E-A95C-48F2-B4BF-A71542E0BE9A}" type="datetimeFigureOut">
               <a:rPr lang="en-US" smtClean="0"/>
-              <a:t>9/24/2014</a:t>
+              <a:t>9/30/2014</a:t>
             </a:fld>
             <a:endParaRPr lang="en-US" dirty="0"/>
           </a:p>
@@ -2056,7 +1918,7 @@
             <a:fld id="{5586B75A-687E-405C-8A0B-8D00578BA2C3}" type="datetimeFigureOut">
               <a:rPr lang="en-US" smtClean="0"/>
               <a:pPr/>
-              <a:t>9/24/2014</a:t>
+              <a:t>9/30/2014</a:t>
             </a:fld>
             <a:endParaRPr lang="en-US" dirty="0"/>
           </a:p>
@@ -2357,7 +2219,7 @@
           <a:p>
             <a:fld id="{F12952B5-7A2F-4CC8-B7CE-9234E21C2837}" type="datetimeFigureOut">
               <a:rPr lang="en-US" smtClean="0"/>
-              <a:t>9/24/2014</a:t>
+              <a:t>9/30/2014</a:t>
             </a:fld>
             <a:endParaRPr lang="en-US" dirty="0"/>
           </a:p>
@@ -2807,7 +2669,7 @@
           <a:p>
             <a:fld id="{CE1DA07A-9201-4B4B-BAF2-015AFA30F520}" type="datetimeFigureOut">
               <a:rPr lang="en-US" smtClean="0"/>
-              <a:t>9/24/2014</a:t>
+              <a:t>9/30/2014</a:t>
             </a:fld>
             <a:endParaRPr lang="en-US" dirty="0"/>
           </a:p>
@@ -2937,7 +2799,7 @@
           <a:p>
             <a:fld id="{73D7E00A-486F-4252-8B1D-E32645521F49}" type="datetimeFigureOut">
               <a:rPr lang="en-US" smtClean="0"/>
-              <a:t>9/24/2014</a:t>
+              <a:t>9/30/2014</a:t>
             </a:fld>
             <a:endParaRPr lang="en-US" dirty="0"/>
           </a:p>
@@ -3044,7 +2906,7 @@
           <a:p>
             <a:fld id="{8DDF5F92-E675-4B36-9A60-69A962A68675}" type="datetimeFigureOut">
               <a:rPr lang="en-US" smtClean="0"/>
-              <a:t>9/24/2014</a:t>
+              <a:t>9/30/2014</a:t>
             </a:fld>
             <a:endParaRPr lang="en-US" dirty="0"/>
           </a:p>
@@ -3412,7 +3274,7 @@
           <a:p>
             <a:fld id="{AF6E2C9B-5FA2-460D-9BE7-B0812FC2A6FF}" type="datetimeFigureOut">
               <a:rPr lang="en-US" smtClean="0"/>
-              <a:t>9/24/2014</a:t>
+              <a:t>9/30/2014</a:t>
             </a:fld>
             <a:endParaRPr lang="en-US" dirty="0"/>
           </a:p>
@@ -3742,7 +3604,7 @@
             <a:fld id="{5586B75A-687E-405C-8A0B-8D00578BA2C3}" type="datetimeFigureOut">
               <a:rPr lang="en-US" smtClean="0"/>
               <a:pPr/>
-              <a:t>9/24/2014</a:t>
+              <a:t>9/30/2014</a:t>
             </a:fld>
             <a:endParaRPr lang="en-US" dirty="0"/>
           </a:p>
@@ -3989,7 +3851,7 @@
             <a:fld id="{5586B75A-687E-405C-8A0B-8D00578BA2C3}" type="datetimeFigureOut">
               <a:rPr lang="en-US" smtClean="0"/>
               <a:pPr/>
-              <a:t>9/24/2014</a:t>
+              <a:t>9/30/2014</a:t>
             </a:fld>
             <a:endParaRPr lang="en-US" dirty="0"/>
           </a:p>
@@ -4481,8 +4343,13 @@
           <a:p>
             <a:r>
               <a:rPr lang="en-US" dirty="0" smtClean="0"/>
-              <a:t>Testing stuff</a:t>
-            </a:r>
+              <a:t>Testing </a:t>
+            </a:r>
+            <a:r>
+              <a:rPr lang="en-US" dirty="0" smtClean="0"/>
+              <a:t>stuff to make sure they work</a:t>
+            </a:r>
+            <a:endParaRPr lang="en-US" dirty="0" smtClean="0"/>
           </a:p>
           <a:p>
             <a:endParaRPr lang="en-US" dirty="0"/>
@@ -4551,135 +4418,65 @@
           <a:p>
             <a:r>
               <a:rPr lang="en-CA" dirty="0" smtClean="0"/>
-              <a:t>Aggregation</a:t>
+              <a:t>System Testing</a:t>
             </a:r>
             <a:endParaRPr lang="en-CA" dirty="0"/>
           </a:p>
         </p:txBody>
       </p:sp>
-      <p:pic>
-        <p:nvPicPr>
-          <p:cNvPr id="2050" name="Picture 2" descr="http://upload.wikimedia.org/wikipedia/commons/thumb/2/2a/KP-UML-Aggregation-20060420.svg/381px-KP-UML-Aggregation-20060420.svg.png"/>
-          <p:cNvPicPr>
-            <a:picLocks noGrp="1" noChangeAspect="1" noChangeArrowheads="1"/>
-          </p:cNvPicPr>
+      <p:sp>
+        <p:nvSpPr>
+          <p:cNvPr id="3" name="Content Placeholder 2"/>
+          <p:cNvSpPr>
+            <a:spLocks noGrp="1"/>
+          </p:cNvSpPr>
           <p:nvPr>
             <p:ph idx="1"/>
           </p:nvPr>
-        </p:nvPicPr>
-        <p:blipFill>
-          <a:blip r:embed="rId2">
-            <a:extLst>
-              <a:ext uri="{28A0092B-C50C-407E-A947-70E740481C1C}">
-                <a14:useLocalDpi xmlns:a14="http://schemas.microsoft.com/office/drawing/2010/main" val="0"/>
-              </a:ext>
-            </a:extLst>
-          </a:blip>
-          <a:srcRect/>
-          <a:stretch>
-            <a:fillRect/>
-          </a:stretch>
-        </p:blipFill>
-        <p:spPr bwMode="auto">
-          <a:xfrm>
-            <a:off x="1979481" y="2157731"/>
-            <a:ext cx="8128260" cy="1066701"/>
-          </a:xfrm>
-          <a:prstGeom prst="rect">
-            <a:avLst/>
-          </a:prstGeom>
-          <a:noFill/>
-          <a:extLst>
-            <a:ext uri="{909E8E84-426E-40DD-AFC4-6F175D3DCCD1}">
-              <a14:hiddenFill xmlns:a14="http://schemas.microsoft.com/office/drawing/2010/main">
-                <a:solidFill>
-                  <a:srgbClr val="FFFFFF"/>
-                </a:solidFill>
-              </a14:hiddenFill>
-            </a:ext>
-          </a:extLst>
-        </p:spPr>
-      </p:pic>
-      <p:sp>
-        <p:nvSpPr>
-          <p:cNvPr id="4" name="TextBox 3"/>
-          <p:cNvSpPr txBox="1"/>
-          <p:nvPr/>
-        </p:nvSpPr>
-        <p:spPr>
-          <a:xfrm>
-            <a:off x="657224" y="5306518"/>
-            <a:ext cx="6761531" cy="461665"/>
-          </a:xfrm>
-          <a:prstGeom prst="rect">
-            <a:avLst/>
-          </a:prstGeom>
-          <a:noFill/>
-        </p:spPr>
-        <p:txBody>
-          <a:bodyPr wrap="none" rtlCol="0">
-            <a:spAutoFit/>
-          </a:bodyPr>
-          <a:lstStyle/>
-          <a:p>
-            <a:r>
-              <a:rPr lang="en-CA" sz="2400" b="1" dirty="0" smtClean="0"/>
-              <a:t>Destroying the container does not destroy the content</a:t>
-            </a:r>
-            <a:endParaRPr lang="en-CA" sz="2400" b="1" dirty="0"/>
-          </a:p>
-        </p:txBody>
-      </p:sp>
-      <p:sp>
-        <p:nvSpPr>
-          <p:cNvPr id="6" name="TextBox 5"/>
-          <p:cNvSpPr txBox="1"/>
-          <p:nvPr/>
-        </p:nvSpPr>
-        <p:spPr>
-          <a:xfrm>
-            <a:off x="3377496" y="3620436"/>
-            <a:ext cx="5332229" cy="369332"/>
-          </a:xfrm>
-          <a:prstGeom prst="rect">
-            <a:avLst/>
-          </a:prstGeom>
-          <a:noFill/>
-        </p:spPr>
-        <p:txBody>
-          <a:bodyPr wrap="none" rtlCol="0">
-            <a:spAutoFit/>
-          </a:bodyPr>
-          <a:lstStyle/>
-          <a:p>
-            <a:r>
-              <a:rPr lang="en-CA" dirty="0"/>
-              <a:t>Taken from </a:t>
-            </a:r>
-            <a:r>
-              <a:rPr lang="en-CA" dirty="0">
-                <a:hlinkClick r:id="rId3"/>
-              </a:rPr>
-              <a:t>http://</a:t>
-            </a:r>
-            <a:r>
-              <a:rPr lang="en-CA" dirty="0" smtClean="0">
-                <a:hlinkClick r:id="rId3"/>
-              </a:rPr>
-              <a:t>en.wikipedia.org/wiki/Class_diagram</a:t>
-            </a:r>
+        </p:nvSpPr>
+        <p:spPr/>
+        <p:txBody>
+          <a:bodyPr/>
+          <a:lstStyle/>
+          <a:p>
+            <a:pPr marL="0" indent="0">
+              <a:buNone/>
+            </a:pPr>
             <a:r>
               <a:rPr lang="en-CA" dirty="0" smtClean="0"/>
-              <a:t> </a:t>
-            </a:r>
+              <a:t>Play the Game!</a:t>
+            </a:r>
+          </a:p>
+          <a:p>
+            <a:pPr marL="0" indent="0">
+              <a:buNone/>
+            </a:pPr>
             <a:endParaRPr lang="en-CA" dirty="0"/>
+          </a:p>
+          <a:p>
+            <a:pPr marL="0" indent="0">
+              <a:buNone/>
+            </a:pPr>
+            <a:r>
+              <a:rPr lang="en-CA" dirty="0" smtClean="0"/>
+              <a:t>Does it open?</a:t>
+            </a:r>
+          </a:p>
+          <a:p>
+            <a:pPr marL="0" indent="0">
+              <a:buNone/>
+            </a:pPr>
+            <a:r>
+              <a:rPr lang="en-CA" dirty="0" smtClean="0"/>
+              <a:t>Will it crash?</a:t>
+            </a:r>
           </a:p>
         </p:txBody>
       </p:sp>
     </p:spTree>
     <p:extLst>
       <p:ext uri="{BB962C8B-B14F-4D97-AF65-F5344CB8AC3E}">
-        <p14:creationId xmlns:p14="http://schemas.microsoft.com/office/powerpoint/2010/main" val="1481586723"/>
+        <p14:creationId xmlns:p14="http://schemas.microsoft.com/office/powerpoint/2010/main" val="555130859"/>
       </p:ext>
     </p:extLst>
   </p:cSld>
@@ -4730,8 +4527,31 @@
           <a:lstStyle/>
           <a:p>
             <a:r>
+              <a:rPr lang="en-CA" dirty="0" err="1" smtClean="0"/>
+              <a:t>JUnit</a:t>
+            </a:r>
+            <a:endParaRPr lang="en-CA" dirty="0"/>
+          </a:p>
+        </p:txBody>
+      </p:sp>
+      <p:sp>
+        <p:nvSpPr>
+          <p:cNvPr id="3" name="Content Placeholder 2"/>
+          <p:cNvSpPr>
+            <a:spLocks noGrp="1"/>
+          </p:cNvSpPr>
+          <p:nvPr>
+            <p:ph idx="1"/>
+          </p:nvPr>
+        </p:nvSpPr>
+        <p:spPr/>
+        <p:txBody>
+          <a:bodyPr/>
+          <a:lstStyle/>
+          <a:p>
+            <a:r>
               <a:rPr lang="en-CA" dirty="0" smtClean="0"/>
-              <a:t>Composition	</a:t>
+              <a:t>Getting Set up</a:t>
             </a:r>
             <a:endParaRPr lang="en-CA" dirty="0"/>
           </a:p>
@@ -4739,27 +4559,31 @@
       </p:sp>
       <p:sp>
         <p:nvSpPr>
-          <p:cNvPr id="6" name="Content Placeholder 5"/>
-          <p:cNvSpPr>
-            <a:spLocks noGrp="1"/>
-          </p:cNvSpPr>
-          <p:nvPr>
-            <p:ph idx="1"/>
-          </p:nvPr>
-        </p:nvSpPr>
-        <p:spPr/>
-        <p:txBody>
-          <a:bodyPr/>
-          <a:lstStyle/>
-          <a:p>
-            <a:endParaRPr lang="en-CA"/>
+          <p:cNvPr id="4" name="Text Placeholder 3"/>
+          <p:cNvSpPr>
+            <a:spLocks noGrp="1"/>
+          </p:cNvSpPr>
+          <p:nvPr>
+            <p:ph type="body" sz="half" idx="2"/>
+          </p:nvPr>
+        </p:nvSpPr>
+        <p:spPr/>
+        <p:txBody>
+          <a:bodyPr/>
+          <a:lstStyle/>
+          <a:p>
+            <a:r>
+              <a:rPr lang="en-CA" dirty="0" smtClean="0"/>
+              <a:t>Testing Library</a:t>
+            </a:r>
+            <a:endParaRPr lang="en-CA" dirty="0"/>
           </a:p>
         </p:txBody>
       </p:sp>
     </p:spTree>
     <p:extLst>
       <p:ext uri="{BB962C8B-B14F-4D97-AF65-F5344CB8AC3E}">
-        <p14:creationId xmlns:p14="http://schemas.microsoft.com/office/powerpoint/2010/main" val="1508495690"/>
+        <p14:creationId xmlns:p14="http://schemas.microsoft.com/office/powerpoint/2010/main" val="1922218335"/>
       </p:ext>
     </p:extLst>
   </p:cSld>
@@ -4811,7 +4635,7 @@
           <a:p>
             <a:r>
               <a:rPr lang="en-CA" dirty="0" smtClean="0"/>
-              <a:t>Multiplicity</a:t>
+              <a:t>Importing a project</a:t>
             </a:r>
             <a:endParaRPr lang="en-CA" dirty="0"/>
           </a:p>
@@ -4819,7 +4643,7 @@
       </p:sp>
       <p:sp>
         <p:nvSpPr>
-          <p:cNvPr id="3" name="Content Placeholder 2"/>
+          <p:cNvPr id="5" name="Content Placeholder 4"/>
           <p:cNvSpPr>
             <a:spLocks noGrp="1"/>
           </p:cNvSpPr>
@@ -4827,19 +4651,1186 @@
             <p:ph idx="1"/>
           </p:nvPr>
         </p:nvSpPr>
-        <p:spPr/>
-        <p:txBody>
-          <a:bodyPr/>
-          <a:lstStyle/>
-          <a:p>
-            <a:endParaRPr lang="en-CA"/>
-          </a:p>
-        </p:txBody>
-      </p:sp>
+        <p:spPr>
+          <a:xfrm>
+            <a:off x="676656" y="2011680"/>
+            <a:ext cx="5079567" cy="3766185"/>
+          </a:xfrm>
+        </p:spPr>
+        <p:txBody>
+          <a:bodyPr/>
+          <a:lstStyle/>
+          <a:p>
+            <a:r>
+              <a:rPr lang="en-CA" dirty="0" smtClean="0"/>
+              <a:t>File -&gt; Import -&gt; Existing project into Workspace -&gt; Browse for project</a:t>
+            </a:r>
+            <a:endParaRPr lang="en-CA" dirty="0"/>
+          </a:p>
+        </p:txBody>
+      </p:sp>
+      <p:pic>
+        <p:nvPicPr>
+          <p:cNvPr id="6" name="Picture 5"/>
+          <p:cNvPicPr>
+            <a:picLocks noChangeAspect="1"/>
+          </p:cNvPicPr>
+          <p:nvPr/>
+        </p:nvPicPr>
+        <p:blipFill>
+          <a:blip r:embed="rId2"/>
+          <a:stretch>
+            <a:fillRect/>
+          </a:stretch>
+        </p:blipFill>
+        <p:spPr>
+          <a:xfrm>
+            <a:off x="6429756" y="1074685"/>
+            <a:ext cx="5019675" cy="5248275"/>
+          </a:xfrm>
+          <a:prstGeom prst="rect">
+            <a:avLst/>
+          </a:prstGeom>
+        </p:spPr>
+      </p:pic>
     </p:spTree>
     <p:extLst>
       <p:ext uri="{BB962C8B-B14F-4D97-AF65-F5344CB8AC3E}">
-        <p14:creationId xmlns:p14="http://schemas.microsoft.com/office/powerpoint/2010/main" val="3030717885"/>
+        <p14:creationId xmlns:p14="http://schemas.microsoft.com/office/powerpoint/2010/main" val="1869576617"/>
+      </p:ext>
+    </p:extLst>
+  </p:cSld>
+  <p:clrMapOvr>
+    <a:masterClrMapping/>
+  </p:clrMapOvr>
+  <mc:AlternateContent xmlns:mc="http://schemas.openxmlformats.org/markup-compatibility/2006" xmlns:p14="http://schemas.microsoft.com/office/powerpoint/2010/main">
+    <mc:Choice Requires="p14">
+      <p:transition p14:dur="0"/>
+    </mc:Choice>
+    <mc:Fallback xmlns="">
+      <p:transition/>
+    </mc:Fallback>
+  </mc:AlternateContent>
+</p:sld>
+</file>
+
+<file path=ppt/slides/slide13.xml><?xml version="1.0" encoding="utf-8"?>
+<p:sld xmlns:a="http://schemas.openxmlformats.org/drawingml/2006/main" xmlns:r="http://schemas.openxmlformats.org/officeDocument/2006/relationships" xmlns:p="http://schemas.openxmlformats.org/presentationml/2006/main">
+  <p:cSld>
+    <p:spTree>
+      <p:nvGrpSpPr>
+        <p:cNvPr id="1" name=""/>
+        <p:cNvGrpSpPr/>
+        <p:nvPr/>
+      </p:nvGrpSpPr>
+      <p:grpSpPr>
+        <a:xfrm>
+          <a:off x="0" y="0"/>
+          <a:ext cx="0" cy="0"/>
+          <a:chOff x="0" y="0"/>
+          <a:chExt cx="0" cy="0"/>
+        </a:xfrm>
+      </p:grpSpPr>
+      <p:sp>
+        <p:nvSpPr>
+          <p:cNvPr id="2" name="Title 1"/>
+          <p:cNvSpPr>
+            <a:spLocks noGrp="1"/>
+          </p:cNvSpPr>
+          <p:nvPr>
+            <p:ph type="title"/>
+          </p:nvPr>
+        </p:nvSpPr>
+        <p:spPr/>
+        <p:txBody>
+          <a:bodyPr/>
+          <a:lstStyle/>
+          <a:p>
+            <a:r>
+              <a:rPr lang="en-CA" dirty="0" smtClean="0"/>
+              <a:t>Setting up a </a:t>
+            </a:r>
+            <a:r>
+              <a:rPr lang="en-CA" dirty="0" smtClean="0"/>
+              <a:t>Test</a:t>
+            </a:r>
+            <a:endParaRPr lang="en-CA" dirty="0"/>
+          </a:p>
+        </p:txBody>
+      </p:sp>
+      <p:sp>
+        <p:nvSpPr>
+          <p:cNvPr id="5" name="Content Placeholder 4"/>
+          <p:cNvSpPr>
+            <a:spLocks noGrp="1"/>
+          </p:cNvSpPr>
+          <p:nvPr>
+            <p:ph idx="1"/>
+          </p:nvPr>
+        </p:nvSpPr>
+        <p:spPr>
+          <a:xfrm>
+            <a:off x="676657" y="2011680"/>
+            <a:ext cx="4075226" cy="3766185"/>
+          </a:xfrm>
+        </p:spPr>
+        <p:txBody>
+          <a:bodyPr/>
+          <a:lstStyle/>
+          <a:p>
+            <a:r>
+              <a:rPr lang="en-CA" dirty="0" smtClean="0"/>
+              <a:t>File -&gt; new-&gt; Junit Test case </a:t>
+            </a:r>
+            <a:endParaRPr lang="en-CA" dirty="0"/>
+          </a:p>
+        </p:txBody>
+      </p:sp>
+      <p:pic>
+        <p:nvPicPr>
+          <p:cNvPr id="4" name="Picture 3"/>
+          <p:cNvPicPr>
+            <a:picLocks noChangeAspect="1"/>
+          </p:cNvPicPr>
+          <p:nvPr/>
+        </p:nvPicPr>
+        <p:blipFill rotWithShape="1">
+          <a:blip r:embed="rId2"/>
+          <a:srcRect r="62289" b="29662"/>
+          <a:stretch/>
+        </p:blipFill>
+        <p:spPr>
+          <a:xfrm>
+            <a:off x="6043611" y="880672"/>
+            <a:ext cx="4906624" cy="5145374"/>
+          </a:xfrm>
+          <a:prstGeom prst="rect">
+            <a:avLst/>
+          </a:prstGeom>
+        </p:spPr>
+      </p:pic>
+    </p:spTree>
+    <p:extLst>
+      <p:ext uri="{BB962C8B-B14F-4D97-AF65-F5344CB8AC3E}">
+        <p14:creationId xmlns:p14="http://schemas.microsoft.com/office/powerpoint/2010/main" val="3878597513"/>
+      </p:ext>
+    </p:extLst>
+  </p:cSld>
+  <p:clrMapOvr>
+    <a:masterClrMapping/>
+  </p:clrMapOvr>
+  <mc:AlternateContent xmlns:mc="http://schemas.openxmlformats.org/markup-compatibility/2006">
+    <mc:Choice xmlns:p14="http://schemas.microsoft.com/office/powerpoint/2010/main" Requires="p14">
+      <p:transition p14:dur="0"/>
+    </mc:Choice>
+    <mc:Fallback>
+      <p:transition/>
+    </mc:Fallback>
+  </mc:AlternateContent>
+</p:sld>
+</file>
+
+<file path=ppt/slides/slide14.xml><?xml version="1.0" encoding="utf-8"?>
+<p:sld xmlns:a="http://schemas.openxmlformats.org/drawingml/2006/main" xmlns:r="http://schemas.openxmlformats.org/officeDocument/2006/relationships" xmlns:p="http://schemas.openxmlformats.org/presentationml/2006/main">
+  <p:cSld>
+    <p:spTree>
+      <p:nvGrpSpPr>
+        <p:cNvPr id="1" name=""/>
+        <p:cNvGrpSpPr/>
+        <p:nvPr/>
+      </p:nvGrpSpPr>
+      <p:grpSpPr>
+        <a:xfrm>
+          <a:off x="0" y="0"/>
+          <a:ext cx="0" cy="0"/>
+          <a:chOff x="0" y="0"/>
+          <a:chExt cx="0" cy="0"/>
+        </a:xfrm>
+      </p:grpSpPr>
+      <p:sp>
+        <p:nvSpPr>
+          <p:cNvPr id="2" name="Title 1"/>
+          <p:cNvSpPr>
+            <a:spLocks noGrp="1"/>
+          </p:cNvSpPr>
+          <p:nvPr>
+            <p:ph type="title"/>
+          </p:nvPr>
+        </p:nvSpPr>
+        <p:spPr/>
+        <p:txBody>
+          <a:bodyPr/>
+          <a:lstStyle/>
+          <a:p>
+            <a:r>
+              <a:rPr lang="en-CA" dirty="0" smtClean="0"/>
+              <a:t>Junit </a:t>
+            </a:r>
+            <a:r>
+              <a:rPr lang="en-CA" dirty="0" smtClean="0"/>
+              <a:t>Structure</a:t>
+            </a:r>
+            <a:endParaRPr lang="en-CA" dirty="0"/>
+          </a:p>
+        </p:txBody>
+      </p:sp>
+      <p:pic>
+        <p:nvPicPr>
+          <p:cNvPr id="4" name="Content Placeholder 3"/>
+          <p:cNvPicPr>
+            <a:picLocks noGrp="1" noChangeAspect="1"/>
+          </p:cNvPicPr>
+          <p:nvPr>
+            <p:ph idx="1"/>
+          </p:nvPr>
+        </p:nvPicPr>
+        <p:blipFill>
+          <a:blip r:embed="rId2"/>
+          <a:stretch>
+            <a:fillRect/>
+          </a:stretch>
+        </p:blipFill>
+        <p:spPr>
+          <a:xfrm>
+            <a:off x="657224" y="1807941"/>
+            <a:ext cx="7552496" cy="4825206"/>
+          </a:xfrm>
+          <a:prstGeom prst="rect">
+            <a:avLst/>
+          </a:prstGeom>
+        </p:spPr>
+      </p:pic>
+      <p:sp>
+        <p:nvSpPr>
+          <p:cNvPr id="7" name="TextBox 6"/>
+          <p:cNvSpPr txBox="1"/>
+          <p:nvPr/>
+        </p:nvSpPr>
+        <p:spPr>
+          <a:xfrm>
+            <a:off x="7785738" y="1782530"/>
+            <a:ext cx="2548839" cy="369332"/>
+          </a:xfrm>
+          <a:prstGeom prst="rect">
+            <a:avLst/>
+          </a:prstGeom>
+          <a:noFill/>
+        </p:spPr>
+        <p:txBody>
+          <a:bodyPr wrap="none" rtlCol="0">
+            <a:spAutoFit/>
+          </a:bodyPr>
+          <a:lstStyle/>
+          <a:p>
+            <a:r>
+              <a:rPr lang="en-CA" dirty="0" smtClean="0"/>
+              <a:t>Import Classes under test</a:t>
+            </a:r>
+            <a:endParaRPr lang="en-CA" dirty="0"/>
+          </a:p>
+        </p:txBody>
+      </p:sp>
+      <p:sp>
+        <p:nvSpPr>
+          <p:cNvPr id="8" name="TextBox 7"/>
+          <p:cNvSpPr txBox="1"/>
+          <p:nvPr/>
+        </p:nvSpPr>
+        <p:spPr>
+          <a:xfrm>
+            <a:off x="7827872" y="2620350"/>
+            <a:ext cx="2667910" cy="369332"/>
+          </a:xfrm>
+          <a:prstGeom prst="rect">
+            <a:avLst/>
+          </a:prstGeom>
+          <a:noFill/>
+        </p:spPr>
+        <p:txBody>
+          <a:bodyPr wrap="none" rtlCol="0">
+            <a:spAutoFit/>
+          </a:bodyPr>
+          <a:lstStyle/>
+          <a:p>
+            <a:r>
+              <a:rPr lang="en-CA" dirty="0" smtClean="0"/>
+              <a:t>Declare Objects under Test</a:t>
+            </a:r>
+            <a:endParaRPr lang="en-CA" dirty="0"/>
+          </a:p>
+        </p:txBody>
+      </p:sp>
+      <p:sp>
+        <p:nvSpPr>
+          <p:cNvPr id="9" name="TextBox 8"/>
+          <p:cNvSpPr txBox="1"/>
+          <p:nvPr/>
+        </p:nvSpPr>
+        <p:spPr>
+          <a:xfrm>
+            <a:off x="7827872" y="3403838"/>
+            <a:ext cx="3812710" cy="369332"/>
+          </a:xfrm>
+          <a:prstGeom prst="rect">
+            <a:avLst/>
+          </a:prstGeom>
+          <a:noFill/>
+        </p:spPr>
+        <p:txBody>
+          <a:bodyPr wrap="none" rtlCol="0">
+            <a:spAutoFit/>
+          </a:bodyPr>
+          <a:lstStyle/>
+          <a:p>
+            <a:r>
+              <a:rPr lang="en-CA" dirty="0" smtClean="0"/>
+              <a:t>Flag to execute this method before test</a:t>
+            </a:r>
+            <a:endParaRPr lang="en-CA" dirty="0"/>
+          </a:p>
+        </p:txBody>
+      </p:sp>
+      <p:sp>
+        <p:nvSpPr>
+          <p:cNvPr id="10" name="TextBox 9"/>
+          <p:cNvSpPr txBox="1"/>
+          <p:nvPr/>
+        </p:nvSpPr>
+        <p:spPr>
+          <a:xfrm>
+            <a:off x="7827872" y="4510184"/>
+            <a:ext cx="3983976" cy="369332"/>
+          </a:xfrm>
+          <a:prstGeom prst="rect">
+            <a:avLst/>
+          </a:prstGeom>
+          <a:noFill/>
+        </p:spPr>
+        <p:txBody>
+          <a:bodyPr wrap="none" rtlCol="0">
+            <a:spAutoFit/>
+          </a:bodyPr>
+          <a:lstStyle/>
+          <a:p>
+            <a:r>
+              <a:rPr lang="en-CA" dirty="0" smtClean="0"/>
+              <a:t>Flag to indicate this method is a test case</a:t>
+            </a:r>
+            <a:endParaRPr lang="en-CA" dirty="0"/>
+          </a:p>
+        </p:txBody>
+      </p:sp>
+      <p:sp>
+        <p:nvSpPr>
+          <p:cNvPr id="11" name="TextBox 10"/>
+          <p:cNvSpPr txBox="1"/>
+          <p:nvPr/>
+        </p:nvSpPr>
+        <p:spPr>
+          <a:xfrm>
+            <a:off x="7827872" y="6125623"/>
+            <a:ext cx="3802131" cy="369332"/>
+          </a:xfrm>
+          <a:prstGeom prst="rect">
+            <a:avLst/>
+          </a:prstGeom>
+          <a:noFill/>
+        </p:spPr>
+        <p:txBody>
+          <a:bodyPr wrap="none" rtlCol="0">
+            <a:spAutoFit/>
+          </a:bodyPr>
+          <a:lstStyle/>
+          <a:p>
+            <a:r>
+              <a:rPr lang="en-CA" dirty="0" smtClean="0"/>
+              <a:t>Assertion decides if test will pass or fail</a:t>
+            </a:r>
+            <a:endParaRPr lang="en-CA" dirty="0"/>
+          </a:p>
+        </p:txBody>
+      </p:sp>
+      <p:cxnSp>
+        <p:nvCxnSpPr>
+          <p:cNvPr id="13" name="Straight Arrow Connector 12"/>
+          <p:cNvCxnSpPr>
+            <a:stCxn id="7" idx="1"/>
+          </p:cNvCxnSpPr>
+          <p:nvPr/>
+        </p:nvCxnSpPr>
+        <p:spPr>
+          <a:xfrm flipH="1" flipV="1">
+            <a:off x="3028013" y="1883336"/>
+            <a:ext cx="4757725" cy="83860"/>
+          </a:xfrm>
+          <a:prstGeom prst="straightConnector1">
+            <a:avLst/>
+          </a:prstGeom>
+          <a:ln>
+            <a:tailEnd type="triangle"/>
+          </a:ln>
+        </p:spPr>
+        <p:style>
+          <a:lnRef idx="1">
+            <a:schemeClr val="accent1"/>
+          </a:lnRef>
+          <a:fillRef idx="0">
+            <a:schemeClr val="accent1"/>
+          </a:fillRef>
+          <a:effectRef idx="0">
+            <a:schemeClr val="accent1"/>
+          </a:effectRef>
+          <a:fontRef idx="minor">
+            <a:schemeClr val="tx1"/>
+          </a:fontRef>
+        </p:style>
+      </p:cxnSp>
+      <p:cxnSp>
+        <p:nvCxnSpPr>
+          <p:cNvPr id="15" name="Straight Arrow Connector 14"/>
+          <p:cNvCxnSpPr/>
+          <p:nvPr/>
+        </p:nvCxnSpPr>
+        <p:spPr>
+          <a:xfrm flipH="1">
+            <a:off x="6043611" y="2805016"/>
+            <a:ext cx="1742127" cy="0"/>
+          </a:xfrm>
+          <a:prstGeom prst="straightConnector1">
+            <a:avLst/>
+          </a:prstGeom>
+          <a:ln>
+            <a:tailEnd type="triangle"/>
+          </a:ln>
+        </p:spPr>
+        <p:style>
+          <a:lnRef idx="1">
+            <a:schemeClr val="accent1"/>
+          </a:lnRef>
+          <a:fillRef idx="0">
+            <a:schemeClr val="accent1"/>
+          </a:fillRef>
+          <a:effectRef idx="0">
+            <a:schemeClr val="accent1"/>
+          </a:effectRef>
+          <a:fontRef idx="minor">
+            <a:schemeClr val="tx1"/>
+          </a:fontRef>
+        </p:style>
+      </p:cxnSp>
+      <p:cxnSp>
+        <p:nvCxnSpPr>
+          <p:cNvPr id="17" name="Straight Arrow Connector 16"/>
+          <p:cNvCxnSpPr>
+            <a:stCxn id="9" idx="1"/>
+          </p:cNvCxnSpPr>
+          <p:nvPr/>
+        </p:nvCxnSpPr>
+        <p:spPr>
+          <a:xfrm flipH="1">
+            <a:off x="2413416" y="3588504"/>
+            <a:ext cx="5414456" cy="0"/>
+          </a:xfrm>
+          <a:prstGeom prst="straightConnector1">
+            <a:avLst/>
+          </a:prstGeom>
+          <a:ln>
+            <a:tailEnd type="triangle"/>
+          </a:ln>
+        </p:spPr>
+        <p:style>
+          <a:lnRef idx="1">
+            <a:schemeClr val="accent1"/>
+          </a:lnRef>
+          <a:fillRef idx="0">
+            <a:schemeClr val="accent1"/>
+          </a:fillRef>
+          <a:effectRef idx="0">
+            <a:schemeClr val="accent1"/>
+          </a:effectRef>
+          <a:fontRef idx="minor">
+            <a:schemeClr val="tx1"/>
+          </a:fontRef>
+        </p:style>
+      </p:cxnSp>
+      <p:cxnSp>
+        <p:nvCxnSpPr>
+          <p:cNvPr id="19" name="Straight Arrow Connector 18"/>
+          <p:cNvCxnSpPr>
+            <a:stCxn id="10" idx="1"/>
+          </p:cNvCxnSpPr>
+          <p:nvPr/>
+        </p:nvCxnSpPr>
+        <p:spPr>
+          <a:xfrm flipH="1">
+            <a:off x="2263515" y="4694850"/>
+            <a:ext cx="5564357" cy="0"/>
+          </a:xfrm>
+          <a:prstGeom prst="straightConnector1">
+            <a:avLst/>
+          </a:prstGeom>
+          <a:ln>
+            <a:tailEnd type="triangle"/>
+          </a:ln>
+        </p:spPr>
+        <p:style>
+          <a:lnRef idx="1">
+            <a:schemeClr val="accent1"/>
+          </a:lnRef>
+          <a:fillRef idx="0">
+            <a:schemeClr val="accent1"/>
+          </a:fillRef>
+          <a:effectRef idx="0">
+            <a:schemeClr val="accent1"/>
+          </a:effectRef>
+          <a:fontRef idx="minor">
+            <a:schemeClr val="tx1"/>
+          </a:fontRef>
+        </p:style>
+      </p:cxnSp>
+      <p:cxnSp>
+        <p:nvCxnSpPr>
+          <p:cNvPr id="26" name="Straight Arrow Connector 25"/>
+          <p:cNvCxnSpPr/>
+          <p:nvPr/>
+        </p:nvCxnSpPr>
+        <p:spPr>
+          <a:xfrm flipH="1" flipV="1">
+            <a:off x="2638269" y="5801196"/>
+            <a:ext cx="5147469" cy="509093"/>
+          </a:xfrm>
+          <a:prstGeom prst="straightConnector1">
+            <a:avLst/>
+          </a:prstGeom>
+          <a:ln>
+            <a:tailEnd type="triangle"/>
+          </a:ln>
+        </p:spPr>
+        <p:style>
+          <a:lnRef idx="1">
+            <a:schemeClr val="accent1"/>
+          </a:lnRef>
+          <a:fillRef idx="0">
+            <a:schemeClr val="accent1"/>
+          </a:fillRef>
+          <a:effectRef idx="0">
+            <a:schemeClr val="accent1"/>
+          </a:effectRef>
+          <a:fontRef idx="minor">
+            <a:schemeClr val="tx1"/>
+          </a:fontRef>
+        </p:style>
+      </p:cxnSp>
+    </p:spTree>
+    <p:extLst>
+      <p:ext uri="{BB962C8B-B14F-4D97-AF65-F5344CB8AC3E}">
+        <p14:creationId xmlns:p14="http://schemas.microsoft.com/office/powerpoint/2010/main" val="4043279771"/>
+      </p:ext>
+    </p:extLst>
+  </p:cSld>
+  <p:clrMapOvr>
+    <a:masterClrMapping/>
+  </p:clrMapOvr>
+  <mc:AlternateContent xmlns:mc="http://schemas.openxmlformats.org/markup-compatibility/2006" xmlns:p14="http://schemas.microsoft.com/office/powerpoint/2010/main">
+    <mc:Choice Requires="p14">
+      <p:transition p14:dur="0"/>
+    </mc:Choice>
+    <mc:Fallback xmlns="">
+      <p:transition/>
+    </mc:Fallback>
+  </mc:AlternateContent>
+</p:sld>
+</file>
+
+<file path=ppt/slides/slide15.xml><?xml version="1.0" encoding="utf-8"?>
+<p:sld xmlns:a="http://schemas.openxmlformats.org/drawingml/2006/main" xmlns:r="http://schemas.openxmlformats.org/officeDocument/2006/relationships" xmlns:p="http://schemas.openxmlformats.org/presentationml/2006/main">
+  <p:cSld>
+    <p:spTree>
+      <p:nvGrpSpPr>
+        <p:cNvPr id="1" name=""/>
+        <p:cNvGrpSpPr/>
+        <p:nvPr/>
+      </p:nvGrpSpPr>
+      <p:grpSpPr>
+        <a:xfrm>
+          <a:off x="0" y="0"/>
+          <a:ext cx="0" cy="0"/>
+          <a:chOff x="0" y="0"/>
+          <a:chExt cx="0" cy="0"/>
+        </a:xfrm>
+      </p:grpSpPr>
+      <p:sp>
+        <p:nvSpPr>
+          <p:cNvPr id="2" name="Title 1"/>
+          <p:cNvSpPr>
+            <a:spLocks noGrp="1"/>
+          </p:cNvSpPr>
+          <p:nvPr>
+            <p:ph type="title"/>
+          </p:nvPr>
+        </p:nvSpPr>
+        <p:spPr/>
+        <p:txBody>
+          <a:bodyPr/>
+          <a:lstStyle/>
+          <a:p>
+            <a:r>
+              <a:rPr lang="en-CA" dirty="0" smtClean="0"/>
+              <a:t>Running Tests</a:t>
+            </a:r>
+            <a:endParaRPr lang="en-CA" dirty="0"/>
+          </a:p>
+        </p:txBody>
+      </p:sp>
+      <p:sp>
+        <p:nvSpPr>
+          <p:cNvPr id="3" name="Content Placeholder 2"/>
+          <p:cNvSpPr>
+            <a:spLocks noGrp="1"/>
+          </p:cNvSpPr>
+          <p:nvPr>
+            <p:ph idx="1"/>
+          </p:nvPr>
+        </p:nvSpPr>
+        <p:spPr/>
+        <p:txBody>
+          <a:bodyPr/>
+          <a:lstStyle/>
+          <a:p>
+            <a:r>
+              <a:rPr lang="en-CA" dirty="0" smtClean="0"/>
+              <a:t>Right Click on Test class -&gt; Run as -&gt; </a:t>
+            </a:r>
+            <a:r>
+              <a:rPr lang="en-CA" dirty="0" err="1" smtClean="0"/>
+              <a:t>JunitTest</a:t>
+            </a:r>
+            <a:endParaRPr lang="en-CA" dirty="0"/>
+          </a:p>
+        </p:txBody>
+      </p:sp>
+      <p:pic>
+        <p:nvPicPr>
+          <p:cNvPr id="4" name="Picture 3"/>
+          <p:cNvPicPr>
+            <a:picLocks noChangeAspect="1"/>
+          </p:cNvPicPr>
+          <p:nvPr/>
+        </p:nvPicPr>
+        <p:blipFill>
+          <a:blip r:embed="rId2"/>
+          <a:stretch>
+            <a:fillRect/>
+          </a:stretch>
+        </p:blipFill>
+        <p:spPr>
+          <a:xfrm>
+            <a:off x="7164362" y="901065"/>
+            <a:ext cx="3619500" cy="4876800"/>
+          </a:xfrm>
+          <a:prstGeom prst="rect">
+            <a:avLst/>
+          </a:prstGeom>
+        </p:spPr>
+      </p:pic>
+    </p:spTree>
+    <p:extLst>
+      <p:ext uri="{BB962C8B-B14F-4D97-AF65-F5344CB8AC3E}">
+        <p14:creationId xmlns:p14="http://schemas.microsoft.com/office/powerpoint/2010/main" val="3123378160"/>
+      </p:ext>
+    </p:extLst>
+  </p:cSld>
+  <p:clrMapOvr>
+    <a:masterClrMapping/>
+  </p:clrMapOvr>
+  <mc:AlternateContent xmlns:mc="http://schemas.openxmlformats.org/markup-compatibility/2006">
+    <mc:Choice xmlns:p14="http://schemas.microsoft.com/office/powerpoint/2010/main" Requires="p14">
+      <p:transition p14:dur="0"/>
+    </mc:Choice>
+    <mc:Fallback>
+      <p:transition/>
+    </mc:Fallback>
+  </mc:AlternateContent>
+</p:sld>
+</file>
+
+<file path=ppt/slides/slide16.xml><?xml version="1.0" encoding="utf-8"?>
+<p:sld xmlns:a="http://schemas.openxmlformats.org/drawingml/2006/main" xmlns:r="http://schemas.openxmlformats.org/officeDocument/2006/relationships" xmlns:p="http://schemas.openxmlformats.org/presentationml/2006/main">
+  <p:cSld>
+    <p:spTree>
+      <p:nvGrpSpPr>
+        <p:cNvPr id="1" name=""/>
+        <p:cNvGrpSpPr/>
+        <p:nvPr/>
+      </p:nvGrpSpPr>
+      <p:grpSpPr>
+        <a:xfrm>
+          <a:off x="0" y="0"/>
+          <a:ext cx="0" cy="0"/>
+          <a:chOff x="0" y="0"/>
+          <a:chExt cx="0" cy="0"/>
+        </a:xfrm>
+      </p:grpSpPr>
+      <p:sp>
+        <p:nvSpPr>
+          <p:cNvPr id="2" name="Title 1"/>
+          <p:cNvSpPr>
+            <a:spLocks noGrp="1"/>
+          </p:cNvSpPr>
+          <p:nvPr>
+            <p:ph type="title"/>
+          </p:nvPr>
+        </p:nvSpPr>
+        <p:spPr/>
+        <p:txBody>
+          <a:bodyPr/>
+          <a:lstStyle/>
+          <a:p>
+            <a:r>
+              <a:rPr lang="en-CA" dirty="0" smtClean="0"/>
+              <a:t>Junit Annotations</a:t>
+            </a:r>
+            <a:endParaRPr lang="en-CA" dirty="0"/>
+          </a:p>
+        </p:txBody>
+      </p:sp>
+      <p:pic>
+        <p:nvPicPr>
+          <p:cNvPr id="5" name="Picture 4"/>
+          <p:cNvPicPr>
+            <a:picLocks noChangeAspect="1"/>
+          </p:cNvPicPr>
+          <p:nvPr/>
+        </p:nvPicPr>
+        <p:blipFill>
+          <a:blip r:embed="rId3"/>
+          <a:stretch>
+            <a:fillRect/>
+          </a:stretch>
+        </p:blipFill>
+        <p:spPr>
+          <a:xfrm>
+            <a:off x="1962851" y="1735801"/>
+            <a:ext cx="7555903" cy="5122199"/>
+          </a:xfrm>
+          <a:prstGeom prst="rect">
+            <a:avLst/>
+          </a:prstGeom>
+        </p:spPr>
+      </p:pic>
+    </p:spTree>
+    <p:extLst>
+      <p:ext uri="{BB962C8B-B14F-4D97-AF65-F5344CB8AC3E}">
+        <p14:creationId xmlns:p14="http://schemas.microsoft.com/office/powerpoint/2010/main" val="1094380890"/>
+      </p:ext>
+    </p:extLst>
+  </p:cSld>
+  <p:clrMapOvr>
+    <a:masterClrMapping/>
+  </p:clrMapOvr>
+  <mc:AlternateContent xmlns:mc="http://schemas.openxmlformats.org/markup-compatibility/2006">
+    <mc:Choice xmlns:p14="http://schemas.microsoft.com/office/powerpoint/2010/main" Requires="p14">
+      <p:transition p14:dur="0"/>
+    </mc:Choice>
+    <mc:Fallback>
+      <p:transition/>
+    </mc:Fallback>
+  </mc:AlternateContent>
+</p:sld>
+</file>
+
+<file path=ppt/slides/slide17.xml><?xml version="1.0" encoding="utf-8"?>
+<p:sld xmlns:a="http://schemas.openxmlformats.org/drawingml/2006/main" xmlns:r="http://schemas.openxmlformats.org/officeDocument/2006/relationships" xmlns:p="http://schemas.openxmlformats.org/presentationml/2006/main">
+  <p:cSld>
+    <p:spTree>
+      <p:nvGrpSpPr>
+        <p:cNvPr id="1" name=""/>
+        <p:cNvGrpSpPr/>
+        <p:nvPr/>
+      </p:nvGrpSpPr>
+      <p:grpSpPr>
+        <a:xfrm>
+          <a:off x="0" y="0"/>
+          <a:ext cx="0" cy="0"/>
+          <a:chOff x="0" y="0"/>
+          <a:chExt cx="0" cy="0"/>
+        </a:xfrm>
+      </p:grpSpPr>
+      <p:sp>
+        <p:nvSpPr>
+          <p:cNvPr id="2" name="Title 1"/>
+          <p:cNvSpPr>
+            <a:spLocks noGrp="1"/>
+          </p:cNvSpPr>
+          <p:nvPr>
+            <p:ph type="title"/>
+          </p:nvPr>
+        </p:nvSpPr>
+        <p:spPr/>
+        <p:txBody>
+          <a:bodyPr/>
+          <a:lstStyle/>
+          <a:p>
+            <a:r>
+              <a:rPr lang="en-CA" dirty="0" smtClean="0"/>
+              <a:t>Junit Assertions</a:t>
+            </a:r>
+            <a:endParaRPr lang="en-CA" dirty="0"/>
+          </a:p>
+        </p:txBody>
+      </p:sp>
+      <p:pic>
+        <p:nvPicPr>
+          <p:cNvPr id="3" name="Picture 2"/>
+          <p:cNvPicPr>
+            <a:picLocks noChangeAspect="1"/>
+          </p:cNvPicPr>
+          <p:nvPr/>
+        </p:nvPicPr>
+        <p:blipFill>
+          <a:blip r:embed="rId3"/>
+          <a:stretch>
+            <a:fillRect/>
+          </a:stretch>
+        </p:blipFill>
+        <p:spPr>
+          <a:xfrm>
+            <a:off x="1857219" y="1538834"/>
+            <a:ext cx="7837551" cy="5146779"/>
+          </a:xfrm>
+          <a:prstGeom prst="rect">
+            <a:avLst/>
+          </a:prstGeom>
+        </p:spPr>
+      </p:pic>
+    </p:spTree>
+    <p:extLst>
+      <p:ext uri="{BB962C8B-B14F-4D97-AF65-F5344CB8AC3E}">
+        <p14:creationId xmlns:p14="http://schemas.microsoft.com/office/powerpoint/2010/main" val="2240102424"/>
+      </p:ext>
+    </p:extLst>
+  </p:cSld>
+  <p:clrMapOvr>
+    <a:masterClrMapping/>
+  </p:clrMapOvr>
+  <mc:AlternateContent xmlns:mc="http://schemas.openxmlformats.org/markup-compatibility/2006">
+    <mc:Choice xmlns:p14="http://schemas.microsoft.com/office/powerpoint/2010/main" Requires="p14">
+      <p:transition p14:dur="0"/>
+    </mc:Choice>
+    <mc:Fallback>
+      <p:transition/>
+    </mc:Fallback>
+  </mc:AlternateContent>
+</p:sld>
+</file>
+
+<file path=ppt/slides/slide18.xml><?xml version="1.0" encoding="utf-8"?>
+<p:sld xmlns:a="http://schemas.openxmlformats.org/drawingml/2006/main" xmlns:r="http://schemas.openxmlformats.org/officeDocument/2006/relationships" xmlns:p="http://schemas.openxmlformats.org/presentationml/2006/main">
+  <p:cSld>
+    <p:spTree>
+      <p:nvGrpSpPr>
+        <p:cNvPr id="1" name=""/>
+        <p:cNvGrpSpPr/>
+        <p:nvPr/>
+      </p:nvGrpSpPr>
+      <p:grpSpPr>
+        <a:xfrm>
+          <a:off x="0" y="0"/>
+          <a:ext cx="0" cy="0"/>
+          <a:chOff x="0" y="0"/>
+          <a:chExt cx="0" cy="0"/>
+        </a:xfrm>
+      </p:grpSpPr>
+      <p:sp>
+        <p:nvSpPr>
+          <p:cNvPr id="2" name="Title 1"/>
+          <p:cNvSpPr>
+            <a:spLocks noGrp="1"/>
+          </p:cNvSpPr>
+          <p:nvPr>
+            <p:ph type="title"/>
+          </p:nvPr>
+        </p:nvSpPr>
+        <p:spPr/>
+        <p:txBody>
+          <a:bodyPr/>
+          <a:lstStyle/>
+          <a:p>
+            <a:r>
+              <a:rPr lang="en-CA" dirty="0" smtClean="0"/>
+              <a:t>Banking Example</a:t>
+            </a:r>
+            <a:endParaRPr lang="en-CA" dirty="0"/>
+          </a:p>
+        </p:txBody>
+      </p:sp>
+      <p:sp>
+        <p:nvSpPr>
+          <p:cNvPr id="3" name="Content Placeholder 2"/>
+          <p:cNvSpPr>
+            <a:spLocks noGrp="1"/>
+          </p:cNvSpPr>
+          <p:nvPr>
+            <p:ph idx="1"/>
+          </p:nvPr>
+        </p:nvSpPr>
+        <p:spPr/>
+        <p:txBody>
+          <a:bodyPr/>
+          <a:lstStyle/>
+          <a:p>
+            <a:r>
+              <a:rPr lang="en-CA" dirty="0" smtClean="0"/>
+              <a:t>Load the project and test the Account Class:</a:t>
+            </a:r>
+          </a:p>
+          <a:p>
+            <a:pPr lvl="1"/>
+            <a:r>
+              <a:rPr lang="en-CA" dirty="0" smtClean="0"/>
+              <a:t>Does the account class deposit the correct amount of money</a:t>
+            </a:r>
+          </a:p>
+          <a:p>
+            <a:pPr lvl="1"/>
+            <a:r>
+              <a:rPr lang="en-CA" dirty="0" smtClean="0"/>
+              <a:t>Does the account class withdraw the correct amount of money</a:t>
+            </a:r>
+          </a:p>
+          <a:p>
+            <a:pPr lvl="1"/>
+            <a:r>
+              <a:rPr lang="en-CA" dirty="0" smtClean="0"/>
+              <a:t>Does the account class handle null Customers</a:t>
+            </a:r>
+          </a:p>
+          <a:p>
+            <a:pPr lvl="1"/>
+            <a:r>
+              <a:rPr lang="en-CA" dirty="0" smtClean="0"/>
+              <a:t>Does the account class properly handle negative numbers</a:t>
+            </a:r>
+            <a:endParaRPr lang="en-CA" dirty="0"/>
+          </a:p>
+        </p:txBody>
+      </p:sp>
+    </p:spTree>
+    <p:extLst>
+      <p:ext uri="{BB962C8B-B14F-4D97-AF65-F5344CB8AC3E}">
+        <p14:creationId xmlns:p14="http://schemas.microsoft.com/office/powerpoint/2010/main" val="4105747896"/>
+      </p:ext>
+    </p:extLst>
+  </p:cSld>
+  <p:clrMapOvr>
+    <a:masterClrMapping/>
+  </p:clrMapOvr>
+  <mc:AlternateContent xmlns:mc="http://schemas.openxmlformats.org/markup-compatibility/2006" xmlns:p14="http://schemas.microsoft.com/office/powerpoint/2010/main">
+    <mc:Choice Requires="p14">
+      <p:transition p14:dur="0"/>
+    </mc:Choice>
+    <mc:Fallback xmlns="">
+      <p:transition/>
+    </mc:Fallback>
+  </mc:AlternateContent>
+</p:sld>
+</file>
+
+<file path=ppt/slides/slide19.xml><?xml version="1.0" encoding="utf-8"?>
+<p:sld xmlns:a="http://schemas.openxmlformats.org/drawingml/2006/main" xmlns:r="http://schemas.openxmlformats.org/officeDocument/2006/relationships" xmlns:p="http://schemas.openxmlformats.org/presentationml/2006/main">
+  <p:cSld>
+    <p:spTree>
+      <p:nvGrpSpPr>
+        <p:cNvPr id="1" name=""/>
+        <p:cNvGrpSpPr/>
+        <p:nvPr/>
+      </p:nvGrpSpPr>
+      <p:grpSpPr>
+        <a:xfrm>
+          <a:off x="0" y="0"/>
+          <a:ext cx="0" cy="0"/>
+          <a:chOff x="0" y="0"/>
+          <a:chExt cx="0" cy="0"/>
+        </a:xfrm>
+      </p:grpSpPr>
+      <p:sp>
+        <p:nvSpPr>
+          <p:cNvPr id="2" name="Title 1"/>
+          <p:cNvSpPr>
+            <a:spLocks noGrp="1"/>
+          </p:cNvSpPr>
+          <p:nvPr>
+            <p:ph type="title"/>
+          </p:nvPr>
+        </p:nvSpPr>
+        <p:spPr/>
+        <p:txBody>
+          <a:bodyPr/>
+          <a:lstStyle/>
+          <a:p>
+            <a:r>
+              <a:rPr lang="en-CA" dirty="0" smtClean="0"/>
+              <a:t>Continuous Integration with Travis</a:t>
+            </a:r>
+            <a:endParaRPr lang="en-CA" dirty="0"/>
+          </a:p>
+        </p:txBody>
+      </p:sp>
+      <p:pic>
+        <p:nvPicPr>
+          <p:cNvPr id="4" name="Content Placeholder 3"/>
+          <p:cNvPicPr>
+            <a:picLocks noGrp="1" noChangeAspect="1"/>
+          </p:cNvPicPr>
+          <p:nvPr>
+            <p:ph idx="1"/>
+          </p:nvPr>
+        </p:nvPicPr>
+        <p:blipFill>
+          <a:blip r:embed="rId2"/>
+          <a:stretch>
+            <a:fillRect/>
+          </a:stretch>
+        </p:blipFill>
+        <p:spPr>
+          <a:xfrm>
+            <a:off x="970188" y="2011363"/>
+            <a:ext cx="10165899" cy="3767137"/>
+          </a:xfrm>
+          <a:prstGeom prst="rect">
+            <a:avLst/>
+          </a:prstGeom>
+        </p:spPr>
+      </p:pic>
+    </p:spTree>
+    <p:extLst>
+      <p:ext uri="{BB962C8B-B14F-4D97-AF65-F5344CB8AC3E}">
+        <p14:creationId xmlns:p14="http://schemas.microsoft.com/office/powerpoint/2010/main" val="1381849335"/>
+      </p:ext>
+    </p:extLst>
+  </p:cSld>
+  <p:clrMapOvr>
+    <a:masterClrMapping/>
+  </p:clrMapOvr>
+  <mc:AlternateContent xmlns:mc="http://schemas.openxmlformats.org/markup-compatibility/2006" xmlns:p14="http://schemas.microsoft.com/office/powerpoint/2010/main">
+    <mc:Choice Requires="p14">
+      <p:transition p14:dur="0"/>
+    </mc:Choice>
+    <mc:Fallback xmlns="">
+      <p:transition/>
+    </mc:Fallback>
+  </mc:AlternateContent>
+</p:sld>
+</file>
+
+<file path=ppt/slides/slide2.xml><?xml version="1.0" encoding="utf-8"?>
+<p:sld xmlns:a="http://schemas.openxmlformats.org/drawingml/2006/main" xmlns:r="http://schemas.openxmlformats.org/officeDocument/2006/relationships" xmlns:p="http://schemas.openxmlformats.org/presentationml/2006/main">
+  <p:cSld>
+    <p:spTree>
+      <p:nvGrpSpPr>
+        <p:cNvPr id="1" name=""/>
+        <p:cNvGrpSpPr/>
+        <p:nvPr/>
+      </p:nvGrpSpPr>
+      <p:grpSpPr>
+        <a:xfrm>
+          <a:off x="0" y="0"/>
+          <a:ext cx="0" cy="0"/>
+          <a:chOff x="0" y="0"/>
+          <a:chExt cx="0" cy="0"/>
+        </a:xfrm>
+      </p:grpSpPr>
+      <p:sp>
+        <p:nvSpPr>
+          <p:cNvPr id="2" name="Title 1"/>
+          <p:cNvSpPr>
+            <a:spLocks noGrp="1"/>
+          </p:cNvSpPr>
+          <p:nvPr>
+            <p:ph type="title"/>
+          </p:nvPr>
+        </p:nvSpPr>
+        <p:spPr/>
+        <p:txBody>
+          <a:bodyPr/>
+          <a:lstStyle/>
+          <a:p>
+            <a:r>
+              <a:rPr lang="en-US" dirty="0" smtClean="0"/>
+              <a:t>Testing Principles</a:t>
+            </a:r>
+            <a:endParaRPr lang="en-US" dirty="0"/>
+          </a:p>
+        </p:txBody>
+      </p:sp>
+      <p:sp>
+        <p:nvSpPr>
+          <p:cNvPr id="4" name="Content Placeholder 3"/>
+          <p:cNvSpPr>
+            <a:spLocks noGrp="1"/>
+          </p:cNvSpPr>
+          <p:nvPr>
+            <p:ph idx="1"/>
+          </p:nvPr>
+        </p:nvSpPr>
+        <p:spPr/>
+        <p:txBody>
+          <a:bodyPr/>
+          <a:lstStyle/>
+          <a:p>
+            <a:pPr marL="0" indent="0">
+              <a:buNone/>
+            </a:pPr>
+            <a:r>
+              <a:rPr lang="en-CA" dirty="0" smtClean="0"/>
+              <a:t>Check compliance with requirements</a:t>
+            </a:r>
+          </a:p>
+          <a:p>
+            <a:pPr marL="0" indent="0">
+              <a:buNone/>
+            </a:pPr>
+            <a:r>
+              <a:rPr lang="en-CA" dirty="0" smtClean="0"/>
+              <a:t>Check compliance after changes (regression)</a:t>
+            </a:r>
+          </a:p>
+          <a:p>
+            <a:pPr marL="0" indent="0">
+              <a:buNone/>
+            </a:pPr>
+            <a:r>
+              <a:rPr lang="en-CA" dirty="0" smtClean="0"/>
+              <a:t>Methodology to isolate problems</a:t>
+            </a:r>
+          </a:p>
+          <a:p>
+            <a:pPr marL="0" indent="0">
+              <a:buNone/>
+            </a:pPr>
+            <a:r>
+              <a:rPr lang="en-CA" dirty="0" smtClean="0"/>
+              <a:t>Reduce costs of maintenance</a:t>
+            </a:r>
+          </a:p>
+          <a:p>
+            <a:pPr marL="0" indent="0">
+              <a:buNone/>
+            </a:pPr>
+            <a:endParaRPr lang="en-CA" dirty="0" smtClean="0"/>
+          </a:p>
+          <a:p>
+            <a:pPr marL="0" indent="0">
+              <a:buNone/>
+            </a:pPr>
+            <a:endParaRPr lang="en-CA" dirty="0" smtClean="0"/>
+          </a:p>
+        </p:txBody>
+      </p:sp>
+    </p:spTree>
+    <p:extLst>
+      <p:ext uri="{BB962C8B-B14F-4D97-AF65-F5344CB8AC3E}">
+        <p14:creationId xmlns:p14="http://schemas.microsoft.com/office/powerpoint/2010/main" val="3388055983"/>
       </p:ext>
     </p:extLst>
   </p:cSld>
@@ -4864,7 +5855,7 @@
 </p:sld>
 </file>
 
-<file path=ppt/slides/slide13.xml><?xml version="1.0" encoding="utf-8"?>
+<file path=ppt/slides/slide20.xml><?xml version="1.0" encoding="utf-8"?>
 <p:sld xmlns:a="http://schemas.openxmlformats.org/drawingml/2006/main" xmlns:r="http://schemas.openxmlformats.org/officeDocument/2006/relationships" xmlns:p="http://schemas.openxmlformats.org/presentationml/2006/main">
   <p:cSld>
     <p:spTree>
@@ -4898,7 +5889,7 @@
           <a:p>
             <a:r>
               <a:rPr lang="en-CA" dirty="0" smtClean="0"/>
-              <a:t>Exercise</a:t>
+              <a:t>Regression? Continuous integration?	</a:t>
             </a:r>
             <a:endParaRPr lang="en-CA" dirty="0"/>
           </a:p>
@@ -4916,11 +5907,22 @@
         </p:nvSpPr>
         <p:spPr/>
         <p:txBody>
-          <a:bodyPr>
-            <a:normAutofit/>
-          </a:bodyPr>
-          <a:lstStyle/>
-          <a:p>
+          <a:bodyPr/>
+          <a:lstStyle/>
+          <a:p>
+            <a:r>
+              <a:rPr lang="en-CA" dirty="0" smtClean="0"/>
+              <a:t>Regression testing is rerunning tests to make sure new code does not break old, but still relevant tests.</a:t>
+            </a:r>
+          </a:p>
+          <a:p>
+            <a:endParaRPr lang="en-CA" dirty="0"/>
+          </a:p>
+          <a:p>
+            <a:r>
+              <a:rPr lang="en-CA" dirty="0" smtClean="0"/>
+              <a:t>Continuous integration with Travis allows users to push code often and automatically run tests based on commits</a:t>
+            </a:r>
             <a:endParaRPr lang="en-CA" dirty="0"/>
           </a:p>
         </p:txBody>
@@ -4928,32 +5930,25 @@
     </p:spTree>
     <p:extLst>
       <p:ext uri="{BB962C8B-B14F-4D97-AF65-F5344CB8AC3E}">
-        <p14:creationId xmlns:p14="http://schemas.microsoft.com/office/powerpoint/2010/main" val="3063136296"/>
+        <p14:creationId xmlns:p14="http://schemas.microsoft.com/office/powerpoint/2010/main" val="475566089"/>
       </p:ext>
     </p:extLst>
   </p:cSld>
   <p:clrMapOvr>
     <a:masterClrMapping/>
   </p:clrMapOvr>
-  <mc:AlternateContent xmlns:mc="http://schemas.openxmlformats.org/markup-compatibility/2006" xmlns:p14="http://schemas.microsoft.com/office/powerpoint/2010/main">
-    <mc:Choice Requires="p14">
+  <mc:AlternateContent xmlns:mc="http://schemas.openxmlformats.org/markup-compatibility/2006">
+    <mc:Choice xmlns:p14="http://schemas.microsoft.com/office/powerpoint/2010/main" Requires="p14">
       <p:transition p14:dur="0"/>
     </mc:Choice>
-    <mc:Fallback xmlns="">
+    <mc:Fallback>
       <p:transition/>
     </mc:Fallback>
   </mc:AlternateContent>
-  <p:timing>
-    <p:tnLst>
-      <p:par>
-        <p:cTn id="1" dur="indefinite" restart="never" nodeType="tmRoot"/>
-      </p:par>
-    </p:tnLst>
-  </p:timing>
 </p:sld>
 </file>
 
-<file path=ppt/slides/slide14.xml><?xml version="1.0" encoding="utf-8"?>
+<file path=ppt/slides/slide21.xml><?xml version="1.0" encoding="utf-8"?>
 <p:sld xmlns:a="http://schemas.openxmlformats.org/drawingml/2006/main" xmlns:r="http://schemas.openxmlformats.org/officeDocument/2006/relationships" xmlns:p="http://schemas.openxmlformats.org/presentationml/2006/main">
   <p:cSld>
     <p:spTree>
@@ -5028,6 +6023,29 @@
               <a:rPr lang="en-CA" dirty="0" smtClean="0"/>
               <a:t> </a:t>
             </a:r>
+            <a:endParaRPr lang="en-CA" dirty="0" smtClean="0"/>
+          </a:p>
+          <a:p>
+            <a:pPr marL="457200" indent="-457200">
+              <a:buFont typeface="+mj-lt"/>
+              <a:buAutoNum type="arabicPeriod"/>
+            </a:pPr>
+            <a:r>
+              <a:rPr lang="en-CA" dirty="0">
+                <a:hlinkClick r:id="rId3"/>
+              </a:rPr>
+              <a:t>http://docs.travis-ci.com/user/getting-started</a:t>
+            </a:r>
+            <a:r>
+              <a:rPr lang="en-CA" dirty="0" smtClean="0">
+                <a:hlinkClick r:id="rId3"/>
+              </a:rPr>
+              <a:t>/</a:t>
+            </a:r>
+            <a:r>
+              <a:rPr lang="en-CA" dirty="0" smtClean="0"/>
+              <a:t> </a:t>
+            </a:r>
             <a:endParaRPr lang="en-CA" dirty="0"/>
           </a:p>
         </p:txBody>
@@ -5036,93 +6054,6 @@
     <p:extLst>
       <p:ext uri="{BB962C8B-B14F-4D97-AF65-F5344CB8AC3E}">
         <p14:creationId xmlns:p14="http://schemas.microsoft.com/office/powerpoint/2010/main" val="297653093"/>
-      </p:ext>
-    </p:extLst>
-  </p:cSld>
-  <p:clrMapOvr>
-    <a:masterClrMapping/>
-  </p:clrMapOvr>
-  <mc:AlternateContent xmlns:mc="http://schemas.openxmlformats.org/markup-compatibility/2006" xmlns:p14="http://schemas.microsoft.com/office/powerpoint/2010/main">
-    <mc:Choice Requires="p14">
-      <p:transition p14:dur="0"/>
-    </mc:Choice>
-    <mc:Fallback xmlns="">
-      <p:transition/>
-    </mc:Fallback>
-  </mc:AlternateContent>
-  <p:timing>
-    <p:tnLst>
-      <p:par>
-        <p:cTn id="1" dur="indefinite" restart="never" nodeType="tmRoot"/>
-      </p:par>
-    </p:tnLst>
-  </p:timing>
-</p:sld>
-</file>
-
-<file path=ppt/slides/slide2.xml><?xml version="1.0" encoding="utf-8"?>
-<p:sld xmlns:a="http://schemas.openxmlformats.org/drawingml/2006/main" xmlns:r="http://schemas.openxmlformats.org/officeDocument/2006/relationships" xmlns:p="http://schemas.openxmlformats.org/presentationml/2006/main">
-  <p:cSld>
-    <p:spTree>
-      <p:nvGrpSpPr>
-        <p:cNvPr id="1" name=""/>
-        <p:cNvGrpSpPr/>
-        <p:nvPr/>
-      </p:nvGrpSpPr>
-      <p:grpSpPr>
-        <a:xfrm>
-          <a:off x="0" y="0"/>
-          <a:ext cx="0" cy="0"/>
-          <a:chOff x="0" y="0"/>
-          <a:chExt cx="0" cy="0"/>
-        </a:xfrm>
-      </p:grpSpPr>
-      <p:sp>
-        <p:nvSpPr>
-          <p:cNvPr id="2" name="Title 1"/>
-          <p:cNvSpPr>
-            <a:spLocks noGrp="1"/>
-          </p:cNvSpPr>
-          <p:nvPr>
-            <p:ph type="title"/>
-          </p:nvPr>
-        </p:nvSpPr>
-        <p:spPr/>
-        <p:txBody>
-          <a:bodyPr/>
-          <a:lstStyle/>
-          <a:p>
-            <a:r>
-              <a:rPr lang="en-US" dirty="0" smtClean="0"/>
-              <a:t>Use case Diagrams</a:t>
-            </a:r>
-            <a:endParaRPr lang="en-US" dirty="0"/>
-          </a:p>
-        </p:txBody>
-      </p:sp>
-      <p:sp>
-        <p:nvSpPr>
-          <p:cNvPr id="4" name="Content Placeholder 3"/>
-          <p:cNvSpPr>
-            <a:spLocks noGrp="1"/>
-          </p:cNvSpPr>
-          <p:nvPr>
-            <p:ph idx="1"/>
-          </p:nvPr>
-        </p:nvSpPr>
-        <p:spPr/>
-        <p:txBody>
-          <a:bodyPr/>
-          <a:lstStyle/>
-          <a:p>
-            <a:endParaRPr lang="en-CA"/>
-          </a:p>
-        </p:txBody>
-      </p:sp>
-    </p:spTree>
-    <p:extLst>
-      <p:ext uri="{BB962C8B-B14F-4D97-AF65-F5344CB8AC3E}">
-        <p14:creationId xmlns:p14="http://schemas.microsoft.com/office/powerpoint/2010/main" val="3388055983"/>
       </p:ext>
     </p:extLst>
   </p:cSld>
@@ -5180,10 +6111,10 @@
           <a:lstStyle/>
           <a:p>
             <a:r>
-              <a:rPr lang="en-US" dirty="0" smtClean="0"/>
-              <a:t>Include vs extend</a:t>
-            </a:r>
-            <a:endParaRPr lang="en-US" dirty="0"/>
+              <a:rPr lang="en-CA" dirty="0" smtClean="0"/>
+              <a:t>Good practices	</a:t>
+            </a:r>
+            <a:endParaRPr lang="en-CA" dirty="0"/>
           </a:p>
         </p:txBody>
       </p:sp>
@@ -5197,28 +6128,17 @@
             <p:ph idx="1"/>
           </p:nvPr>
         </p:nvSpPr>
-        <p:spPr>
-          <a:xfrm>
-            <a:off x="676656" y="2036732"/>
-            <a:ext cx="10753725" cy="3766185"/>
-          </a:xfrm>
-        </p:spPr>
-        <p:txBody>
-          <a:bodyPr>
-            <a:normAutofit/>
-          </a:bodyPr>
+        <p:spPr/>
+        <p:txBody>
+          <a:bodyPr/>
           <a:lstStyle/>
           <a:p>
             <a:pPr marL="0" indent="0">
               <a:buNone/>
             </a:pPr>
             <a:r>
-              <a:rPr lang="en-CA" b="1" dirty="0"/>
-              <a:t>I</a:t>
-            </a:r>
-            <a:r>
-              <a:rPr lang="en-CA" b="1" dirty="0" smtClean="0"/>
-              <a:t>nclude: When one action requires another.</a:t>
+              <a:rPr lang="en-CA" dirty="0" smtClean="0"/>
+              <a:t>Requirements are clearly testable</a:t>
             </a:r>
           </a:p>
           <a:p>
@@ -5226,41 +6146,74 @@
               <a:buNone/>
             </a:pPr>
             <a:r>
-              <a:rPr lang="en-CA" b="1" dirty="0" smtClean="0"/>
-              <a:t>Extend: When one action can be replaced by another</a:t>
-            </a:r>
-            <a:endParaRPr lang="en-US" b="1" dirty="0"/>
-          </a:p>
-        </p:txBody>
-      </p:sp>
-      <p:pic>
-        <p:nvPicPr>
-          <p:cNvPr id="4" name="Picture 3"/>
-          <p:cNvPicPr>
-            <a:picLocks noChangeAspect="1"/>
-          </p:cNvPicPr>
-          <p:nvPr/>
-        </p:nvPicPr>
-        <p:blipFill>
-          <a:blip r:embed="rId3"/>
-          <a:stretch>
-            <a:fillRect/>
-          </a:stretch>
-        </p:blipFill>
-        <p:spPr>
-          <a:xfrm>
-            <a:off x="817629" y="3217889"/>
-            <a:ext cx="10451964" cy="2585028"/>
-          </a:xfrm>
-          <a:prstGeom prst="rect">
-            <a:avLst/>
-          </a:prstGeom>
-        </p:spPr>
-      </p:pic>
+              <a:rPr lang="en-CA" dirty="0" smtClean="0"/>
+              <a:t>Components are easily divisible into individual pieces</a:t>
+            </a:r>
+          </a:p>
+          <a:p>
+            <a:pPr marL="0" indent="0">
+              <a:buNone/>
+            </a:pPr>
+            <a:r>
+              <a:rPr lang="en-CA" dirty="0" smtClean="0"/>
+              <a:t>Write tests  offline</a:t>
+            </a:r>
+          </a:p>
+          <a:p>
+            <a:pPr marL="256032" lvl="1" indent="0">
+              <a:buNone/>
+            </a:pPr>
+            <a:r>
+              <a:rPr lang="en-CA" dirty="0" smtClean="0"/>
+              <a:t>Create tests for ranges of values and boundaries</a:t>
+            </a:r>
+          </a:p>
+          <a:p>
+            <a:pPr marL="256032" lvl="1" indent="0">
+              <a:buNone/>
+            </a:pPr>
+            <a:r>
+              <a:rPr lang="en-CA" dirty="0" smtClean="0"/>
+              <a:t>Create tests for types</a:t>
+            </a:r>
+          </a:p>
+          <a:p>
+            <a:pPr marL="256032" lvl="1" indent="0">
+              <a:buNone/>
+            </a:pPr>
+            <a:r>
+              <a:rPr lang="en-CA" dirty="0" smtClean="0"/>
+              <a:t>Create tests for multiple states</a:t>
+            </a:r>
+          </a:p>
+          <a:p>
+            <a:pPr marL="0" indent="0">
+              <a:buNone/>
+            </a:pPr>
+            <a:r>
+              <a:rPr lang="en-CA" dirty="0" smtClean="0"/>
+              <a:t>Think of all the extremes</a:t>
+            </a:r>
+            <a:endParaRPr lang="en-CA" dirty="0"/>
+          </a:p>
+          <a:p>
+            <a:pPr marL="256032" lvl="1" indent="0">
+              <a:buNone/>
+            </a:pPr>
+            <a:endParaRPr lang="en-CA" dirty="0" smtClean="0"/>
+          </a:p>
+          <a:p>
+            <a:pPr marL="0" indent="0">
+              <a:buNone/>
+            </a:pPr>
+            <a:endParaRPr lang="en-CA" dirty="0"/>
+          </a:p>
+        </p:txBody>
+      </p:sp>
     </p:spTree>
     <p:extLst>
       <p:ext uri="{BB962C8B-B14F-4D97-AF65-F5344CB8AC3E}">
-        <p14:creationId xmlns:p14="http://schemas.microsoft.com/office/powerpoint/2010/main" val="173554076"/>
+        <p14:creationId xmlns:p14="http://schemas.microsoft.com/office/powerpoint/2010/main" val="3929064950"/>
       </p:ext>
     </p:extLst>
   </p:cSld>
@@ -5275,13 +6228,6 @@
       <p:transition/>
     </mc:Fallback>
   </mc:AlternateContent>
-  <p:timing>
-    <p:tnLst>
-      <p:par>
-        <p:cTn id="1" dur="indefinite" restart="never" nodeType="tmRoot"/>
-      </p:par>
-    </p:tnLst>
-  </p:timing>
 </p:sld>
 </file>
 
@@ -5318,91 +6264,78 @@
           <a:lstStyle/>
           <a:p>
             <a:r>
-              <a:rPr lang="en-CA" dirty="0" err="1" smtClean="0"/>
-              <a:t>ArgoUML</a:t>
+              <a:rPr lang="en-CA" dirty="0" smtClean="0"/>
+              <a:t>Types of Test</a:t>
             </a:r>
             <a:endParaRPr lang="en-CA" dirty="0"/>
           </a:p>
         </p:txBody>
       </p:sp>
-      <p:pic>
-        <p:nvPicPr>
-          <p:cNvPr id="4" name="Content Placeholder 3"/>
-          <p:cNvPicPr>
-            <a:picLocks noGrp="1" noChangeAspect="1"/>
-          </p:cNvPicPr>
+      <p:sp>
+        <p:nvSpPr>
+          <p:cNvPr id="3" name="Content Placeholder 2"/>
+          <p:cNvSpPr>
+            <a:spLocks noGrp="1"/>
+          </p:cNvSpPr>
           <p:nvPr>
             <p:ph idx="1"/>
           </p:nvPr>
-        </p:nvPicPr>
-        <p:blipFill>
-          <a:blip r:embed="rId2">
-            <a:extLst>
-              <a:ext uri="{28A0092B-C50C-407E-A947-70E740481C1C}">
-                <a14:useLocalDpi xmlns:a14="http://schemas.microsoft.com/office/drawing/2010/main" val="0"/>
-              </a:ext>
-            </a:extLst>
-          </a:blip>
-          <a:stretch>
-            <a:fillRect/>
-          </a:stretch>
-        </p:blipFill>
-        <p:spPr>
-          <a:xfrm>
-            <a:off x="3489040" y="362790"/>
-            <a:ext cx="1442726" cy="1354755"/>
-          </a:xfrm>
-        </p:spPr>
-      </p:pic>
-      <p:pic>
-        <p:nvPicPr>
-          <p:cNvPr id="7" name="Picture 6"/>
-          <p:cNvPicPr>
-            <a:picLocks noChangeAspect="1"/>
-          </p:cNvPicPr>
-          <p:nvPr/>
-        </p:nvPicPr>
-        <p:blipFill>
-          <a:blip r:embed="rId3"/>
-          <a:stretch>
-            <a:fillRect/>
-          </a:stretch>
-        </p:blipFill>
-        <p:spPr>
-          <a:xfrm>
-            <a:off x="4931766" y="2157731"/>
-            <a:ext cx="6219825" cy="3629025"/>
-          </a:xfrm>
-          <a:prstGeom prst="rect">
-            <a:avLst/>
-          </a:prstGeom>
-        </p:spPr>
-      </p:pic>
-      <p:sp>
-        <p:nvSpPr>
-          <p:cNvPr id="8" name="TextBox 7"/>
-          <p:cNvSpPr txBox="1"/>
-          <p:nvPr/>
-        </p:nvSpPr>
-        <p:spPr>
-          <a:xfrm>
-            <a:off x="794479" y="2473376"/>
-            <a:ext cx="2694561" cy="923330"/>
-          </a:xfrm>
-          <a:prstGeom prst="rect">
-            <a:avLst/>
-          </a:prstGeom>
-          <a:noFill/>
-        </p:spPr>
-        <p:txBody>
-          <a:bodyPr wrap="square" rtlCol="0">
-            <a:spAutoFit/>
-          </a:bodyPr>
+        </p:nvSpPr>
+        <p:spPr/>
+        <p:txBody>
+          <a:bodyPr/>
           <a:lstStyle/>
           <a:p>
             <a:r>
               <a:rPr lang="en-CA" dirty="0" smtClean="0"/>
-              <a:t>Make Use case diagrams by pressing the red button on top</a:t>
+              <a:t>Functional</a:t>
+            </a:r>
+          </a:p>
+          <a:p>
+            <a:r>
+              <a:rPr lang="en-CA" dirty="0" smtClean="0"/>
+              <a:t>Behavioral</a:t>
+            </a:r>
+          </a:p>
+          <a:p>
+            <a:r>
+              <a:rPr lang="en-CA" dirty="0" smtClean="0"/>
+              <a:t>Performance</a:t>
+            </a:r>
+          </a:p>
+          <a:p>
+            <a:r>
+              <a:rPr lang="en-CA" dirty="0" smtClean="0"/>
+              <a:t>Integration</a:t>
+            </a:r>
+          </a:p>
+          <a:p>
+            <a:r>
+              <a:rPr lang="en-CA" dirty="0" smtClean="0"/>
+              <a:t>System</a:t>
+            </a:r>
+            <a:endParaRPr lang="en-CA" dirty="0"/>
+          </a:p>
+        </p:txBody>
+      </p:sp>
+      <p:sp>
+        <p:nvSpPr>
+          <p:cNvPr id="4" name="Text Placeholder 3"/>
+          <p:cNvSpPr>
+            <a:spLocks noGrp="1"/>
+          </p:cNvSpPr>
+          <p:nvPr>
+            <p:ph type="body" sz="half" idx="2"/>
+          </p:nvPr>
+        </p:nvSpPr>
+        <p:spPr/>
+        <p:txBody>
+          <a:bodyPr/>
+          <a:lstStyle/>
+          <a:p>
+            <a:r>
+              <a:rPr lang="en-CA" dirty="0" smtClean="0"/>
+              <a:t>What types of tests we could write</a:t>
             </a:r>
             <a:endParaRPr lang="en-CA" dirty="0"/>
           </a:p>
@@ -5411,7 +6344,7 @@
     </p:spTree>
     <p:extLst>
       <p:ext uri="{BB962C8B-B14F-4D97-AF65-F5344CB8AC3E}">
-        <p14:creationId xmlns:p14="http://schemas.microsoft.com/office/powerpoint/2010/main" val="1360413879"/>
+        <p14:creationId xmlns:p14="http://schemas.microsoft.com/office/powerpoint/2010/main" val="43216188"/>
       </p:ext>
     </p:extLst>
   </p:cSld>
@@ -5426,13 +6359,6 @@
       <p:transition/>
     </mc:Fallback>
   </mc:AlternateContent>
-  <p:timing>
-    <p:tnLst>
-      <p:par>
-        <p:cTn id="1" dur="indefinite" restart="never" nodeType="tmRoot"/>
-      </p:par>
-    </p:tnLst>
-  </p:timing>
 </p:sld>
 </file>
 
@@ -5470,104 +6396,45 @@
           <a:p>
             <a:r>
               <a:rPr lang="en-CA" dirty="0" smtClean="0"/>
-              <a:t>Exercise</a:t>
+              <a:t>Functional Test</a:t>
             </a:r>
             <a:endParaRPr lang="en-CA" dirty="0"/>
           </a:p>
         </p:txBody>
       </p:sp>
-      <p:sp>
-        <p:nvSpPr>
-          <p:cNvPr id="3" name="Content Placeholder 2"/>
-          <p:cNvSpPr>
-            <a:spLocks noGrp="1"/>
-          </p:cNvSpPr>
+      <p:pic>
+        <p:nvPicPr>
+          <p:cNvPr id="4" name="Content Placeholder 3"/>
+          <p:cNvPicPr>
+            <a:picLocks noGrp="1" noChangeAspect="1"/>
+          </p:cNvPicPr>
           <p:nvPr>
             <p:ph idx="1"/>
           </p:nvPr>
-        </p:nvSpPr>
-        <p:spPr/>
-        <p:txBody>
-          <a:bodyPr>
-            <a:normAutofit/>
-          </a:bodyPr>
-          <a:lstStyle/>
-          <a:p>
-            <a:r>
-              <a:rPr lang="en-CA" dirty="0"/>
-              <a:t>You have been </a:t>
-            </a:r>
-            <a:r>
-              <a:rPr lang="en-CA" dirty="0" smtClean="0"/>
-              <a:t>asked </a:t>
-            </a:r>
-            <a:r>
-              <a:rPr lang="en-CA" dirty="0"/>
-              <a:t>to design the backend system of a library</a:t>
-            </a:r>
-            <a:r>
-              <a:rPr lang="en-CA" dirty="0" smtClean="0"/>
-              <a:t>. </a:t>
-            </a:r>
-            <a:r>
-              <a:rPr lang="en-CA" dirty="0"/>
-              <a:t>The library has books, videos, and CDs that it loans to its </a:t>
-            </a:r>
-            <a:r>
-              <a:rPr lang="en-CA" dirty="0" smtClean="0"/>
-              <a:t>users.</a:t>
-            </a:r>
-            <a:r>
-              <a:rPr lang="en-CA" dirty="0"/>
-              <a:t> Reference-only material is loaned for 2hrs and can’t be removed from the library. </a:t>
-            </a:r>
-          </a:p>
-          <a:p>
-            <a:r>
-              <a:rPr lang="en-CA" dirty="0" smtClean="0"/>
-              <a:t> Users can borrow, renew or return any of these items. However, children are allowed only to borrow books.</a:t>
-            </a:r>
-          </a:p>
-          <a:p>
-            <a:r>
-              <a:rPr lang="en-CA" dirty="0"/>
-              <a:t>L</a:t>
-            </a:r>
-            <a:r>
-              <a:rPr lang="en-CA" dirty="0" smtClean="0"/>
-              <a:t>ibrarians can create new users and charge late fees.</a:t>
-            </a:r>
-          </a:p>
-          <a:p>
-            <a:pPr marL="0" indent="0">
-              <a:buNone/>
-            </a:pPr>
-            <a:endParaRPr lang="en-CA" dirty="0"/>
-          </a:p>
-          <a:p>
-            <a:pPr marL="0" indent="0">
-              <a:buNone/>
-            </a:pPr>
-            <a:r>
-              <a:rPr lang="en-CA" dirty="0" smtClean="0"/>
-              <a:t>Draw a use case diagram using </a:t>
-            </a:r>
-            <a:r>
-              <a:rPr lang="en-CA" dirty="0" err="1" smtClean="0"/>
-              <a:t>ArgoUML</a:t>
-            </a:r>
-            <a:r>
-              <a:rPr lang="en-CA" dirty="0" smtClean="0"/>
-              <a:t>. You may choose to be as detailed as you like</a:t>
-            </a:r>
-            <a:endParaRPr lang="en-CA" dirty="0"/>
-          </a:p>
-        </p:txBody>
-      </p:sp>
+        </p:nvPicPr>
+        <p:blipFill>
+          <a:blip r:embed="rId2">
+            <a:extLst>
+              <a:ext uri="{28A0092B-C50C-407E-A947-70E740481C1C}">
+                <a14:useLocalDpi xmlns:a14="http://schemas.microsoft.com/office/drawing/2010/main" val="0"/>
+              </a:ext>
+            </a:extLst>
+          </a:blip>
+          <a:stretch>
+            <a:fillRect/>
+          </a:stretch>
+        </p:blipFill>
+        <p:spPr>
+          <a:xfrm>
+            <a:off x="2540755" y="2450801"/>
+            <a:ext cx="6262852" cy="3110550"/>
+          </a:xfrm>
+        </p:spPr>
+      </p:pic>
     </p:spTree>
     <p:extLst>
       <p:ext uri="{BB962C8B-B14F-4D97-AF65-F5344CB8AC3E}">
-        <p14:creationId xmlns:p14="http://schemas.microsoft.com/office/powerpoint/2010/main" val="2309986464"/>
+        <p14:creationId xmlns:p14="http://schemas.microsoft.com/office/powerpoint/2010/main" val="4013241471"/>
       </p:ext>
     </p:extLst>
   </p:cSld>
@@ -5582,13 +6449,6 @@
       <p:transition/>
     </mc:Fallback>
   </mc:AlternateContent>
-  <p:timing>
-    <p:tnLst>
-      <p:par>
-        <p:cTn id="1" dur="indefinite" restart="never" nodeType="tmRoot"/>
-      </p:par>
-    </p:tnLst>
-  </p:timing>
 </p:sld>
 </file>
 
@@ -5626,68 +6486,85 @@
           <a:p>
             <a:r>
               <a:rPr lang="en-CA" dirty="0" smtClean="0"/>
-              <a:t>Class diagrams</a:t>
-            </a:r>
+              <a:t>Triangle Example</a:t>
+            </a:r>
+            <a:endParaRPr lang="en-CA" dirty="0"/>
+          </a:p>
+        </p:txBody>
+      </p:sp>
+      <p:sp>
+        <p:nvSpPr>
+          <p:cNvPr id="3" name="Content Placeholder 2"/>
+          <p:cNvSpPr>
+            <a:spLocks noGrp="1"/>
+          </p:cNvSpPr>
+          <p:nvPr>
+            <p:ph idx="1"/>
+          </p:nvPr>
+        </p:nvSpPr>
+        <p:spPr/>
+        <p:txBody>
+          <a:bodyPr/>
+          <a:lstStyle/>
+          <a:p>
+            <a:r>
+              <a:rPr lang="en-CA" dirty="0" smtClean="0"/>
+              <a:t>A programmer wrote the following function for a math library. Come up with </a:t>
+            </a:r>
+            <a:r>
+              <a:rPr lang="en-CA" dirty="0" smtClean="0"/>
+              <a:t>some</a:t>
+            </a:r>
+            <a:r>
+              <a:rPr lang="en-CA" dirty="0" smtClean="0"/>
+              <a:t> </a:t>
+            </a:r>
+            <a:r>
+              <a:rPr lang="en-CA" dirty="0" smtClean="0"/>
+              <a:t>test cases for the function defined below</a:t>
+            </a:r>
+            <a:r>
+              <a:rPr lang="en-CA" dirty="0" smtClean="0"/>
+              <a:t>. Hint: there can be up to 21</a:t>
+            </a:r>
+            <a:endParaRPr lang="en-CA" dirty="0" smtClean="0"/>
+          </a:p>
+          <a:p>
+            <a:endParaRPr lang="en-CA" dirty="0"/>
+          </a:p>
+          <a:p>
             <a:endParaRPr lang="en-CA" dirty="0"/>
           </a:p>
         </p:txBody>
       </p:sp>
       <p:pic>
         <p:nvPicPr>
-          <p:cNvPr id="6" name="Content Placeholder 5"/>
+          <p:cNvPr id="5" name="Picture 4"/>
           <p:cNvPicPr>
-            <a:picLocks noGrp="1" noChangeAspect="1"/>
+            <a:picLocks noChangeAspect="1"/>
           </p:cNvPicPr>
-          <p:nvPr>
-            <p:ph idx="1"/>
-          </p:nvPr>
+          <p:nvPr/>
         </p:nvPicPr>
         <p:blipFill>
-          <a:blip r:embed="rId2">
-            <a:extLst>
-              <a:ext uri="{28A0092B-C50C-407E-A947-70E740481C1C}">
-                <a14:useLocalDpi xmlns:a14="http://schemas.microsoft.com/office/drawing/2010/main" val="0"/>
-              </a:ext>
-            </a:extLst>
-          </a:blip>
+          <a:blip r:embed="rId2"/>
           <a:stretch>
             <a:fillRect/>
           </a:stretch>
         </p:blipFill>
         <p:spPr>
           <a:xfrm>
-            <a:off x="819150" y="1443037"/>
-            <a:ext cx="5981700" cy="3209925"/>
+            <a:off x="958248" y="3592456"/>
+            <a:ext cx="10190540" cy="375342"/>
           </a:xfrm>
+          <a:prstGeom prst="rect">
+            <a:avLst/>
+          </a:prstGeom>
         </p:spPr>
       </p:pic>
-      <p:sp>
-        <p:nvSpPr>
-          <p:cNvPr id="4" name="Text Placeholder 3"/>
-          <p:cNvSpPr>
-            <a:spLocks noGrp="1"/>
-          </p:cNvSpPr>
-          <p:nvPr>
-            <p:ph type="body" sz="half" idx="2"/>
-          </p:nvPr>
-        </p:nvSpPr>
-        <p:spPr/>
-        <p:txBody>
-          <a:bodyPr/>
-          <a:lstStyle/>
-          <a:p>
-            <a:r>
-              <a:rPr lang="en-CA" dirty="0" smtClean="0"/>
-              <a:t>The other thing you need to know about UML</a:t>
-            </a:r>
-            <a:endParaRPr lang="en-CA" dirty="0"/>
-          </a:p>
-        </p:txBody>
-      </p:sp>
     </p:spTree>
     <p:extLst>
       <p:ext uri="{BB962C8B-B14F-4D97-AF65-F5344CB8AC3E}">
-        <p14:creationId xmlns:p14="http://schemas.microsoft.com/office/powerpoint/2010/main" val="4288652244"/>
+        <p14:creationId xmlns:p14="http://schemas.microsoft.com/office/powerpoint/2010/main" val="1682546886"/>
       </p:ext>
     </p:extLst>
   </p:cSld>
@@ -5702,13 +6579,6 @@
       <p:transition/>
     </mc:Fallback>
   </mc:AlternateContent>
-  <p:timing>
-    <p:tnLst>
-      <p:par>
-        <p:cTn id="1" dur="indefinite" restart="never" nodeType="tmRoot"/>
-      </p:par>
-    </p:tnLst>
-  </p:timing>
 </p:sld>
 </file>
 
@@ -5746,7 +6616,7 @@
           <a:p>
             <a:r>
               <a:rPr lang="en-CA" dirty="0" smtClean="0"/>
-              <a:t>Functional Requirements</a:t>
+              <a:t>Behavioral Test (state)</a:t>
             </a:r>
             <a:endParaRPr lang="en-CA" dirty="0"/>
           </a:p>
@@ -5754,7 +6624,7 @@
       </p:sp>
       <p:pic>
         <p:nvPicPr>
-          <p:cNvPr id="4" name="Content Placeholder 3"/>
+          <p:cNvPr id="3" name="Content Placeholder 2"/>
           <p:cNvPicPr>
             <a:picLocks noGrp="1" noChangeAspect="1"/>
           </p:cNvPicPr>
@@ -5763,73 +6633,25 @@
           </p:nvPr>
         </p:nvPicPr>
         <p:blipFill>
-          <a:blip r:embed="rId3"/>
+          <a:blip r:embed="rId2"/>
           <a:stretch>
             <a:fillRect/>
           </a:stretch>
         </p:blipFill>
         <p:spPr>
           <a:xfrm>
-            <a:off x="3160269" y="2157731"/>
-            <a:ext cx="5076825" cy="2705100"/>
+            <a:off x="2748353" y="2578686"/>
+            <a:ext cx="5657997" cy="2502980"/>
           </a:xfrm>
           <a:prstGeom prst="rect">
             <a:avLst/>
           </a:prstGeom>
         </p:spPr>
       </p:pic>
-      <p:sp>
-        <p:nvSpPr>
-          <p:cNvPr id="5" name="TextBox 4"/>
-          <p:cNvSpPr txBox="1"/>
-          <p:nvPr/>
-        </p:nvSpPr>
-        <p:spPr>
-          <a:xfrm>
-            <a:off x="1259173" y="2157731"/>
-            <a:ext cx="1569084" cy="2246769"/>
-          </a:xfrm>
-          <a:prstGeom prst="rect">
-            <a:avLst/>
-          </a:prstGeom>
-          <a:noFill/>
-        </p:spPr>
-        <p:txBody>
-          <a:bodyPr wrap="none" rtlCol="0">
-            <a:spAutoFit/>
-          </a:bodyPr>
-          <a:lstStyle/>
-          <a:p>
-            <a:r>
-              <a:rPr lang="en-CA" sz="2800" dirty="0" smtClean="0"/>
-              <a:t>Title</a:t>
-            </a:r>
-          </a:p>
-          <a:p>
-            <a:endParaRPr lang="en-CA" sz="2800" dirty="0" smtClean="0"/>
-          </a:p>
-          <a:p>
-            <a:r>
-              <a:rPr lang="en-CA" sz="2800" dirty="0" smtClean="0"/>
-              <a:t>Members</a:t>
-            </a:r>
-          </a:p>
-          <a:p>
-            <a:endParaRPr lang="en-CA" sz="2800" dirty="0"/>
-          </a:p>
-          <a:p>
-            <a:r>
-              <a:rPr lang="en-CA" sz="2800" dirty="0" smtClean="0"/>
-              <a:t>Methods</a:t>
-            </a:r>
-            <a:endParaRPr lang="en-CA" sz="2800" dirty="0"/>
-          </a:p>
-        </p:txBody>
-      </p:sp>
     </p:spTree>
     <p:extLst>
       <p:ext uri="{BB962C8B-B14F-4D97-AF65-F5344CB8AC3E}">
-        <p14:creationId xmlns:p14="http://schemas.microsoft.com/office/powerpoint/2010/main" val="2343345447"/>
+        <p14:creationId xmlns:p14="http://schemas.microsoft.com/office/powerpoint/2010/main" val="3381038671"/>
       </p:ext>
     </p:extLst>
   </p:cSld>
@@ -5844,13 +6666,6 @@
       <p:transition/>
     </mc:Fallback>
   </mc:AlternateContent>
-  <p:timing>
-    <p:tnLst>
-      <p:par>
-        <p:cTn id="1" dur="indefinite" restart="never" nodeType="tmRoot"/>
-      </p:par>
-    </p:tnLst>
-  </p:timing>
 </p:sld>
 </file>
 
@@ -5888,55 +6703,42 @@
           <a:p>
             <a:r>
               <a:rPr lang="en-CA" dirty="0" smtClean="0"/>
-              <a:t>Relationships</a:t>
+              <a:t>Performance Testing</a:t>
             </a:r>
             <a:endParaRPr lang="en-CA" dirty="0"/>
           </a:p>
         </p:txBody>
       </p:sp>
-      <p:sp>
-        <p:nvSpPr>
+      <p:pic>
+        <p:nvPicPr>
           <p:cNvPr id="3" name="Content Placeholder 2"/>
-          <p:cNvSpPr>
-            <a:spLocks noGrp="1"/>
-          </p:cNvSpPr>
+          <p:cNvPicPr>
+            <a:picLocks noGrp="1" noChangeAspect="1"/>
+          </p:cNvPicPr>
           <p:nvPr>
             <p:ph idx="1"/>
           </p:nvPr>
-        </p:nvSpPr>
+        </p:nvPicPr>
+        <p:blipFill>
+          <a:blip r:embed="rId2"/>
+          <a:stretch>
+            <a:fillRect/>
+          </a:stretch>
+        </p:blipFill>
         <p:spPr>
           <a:xfrm>
-            <a:off x="676274" y="2157731"/>
-            <a:ext cx="10753725" cy="3766185"/>
+            <a:off x="1811936" y="2865137"/>
+            <a:ext cx="9156094" cy="1317118"/>
           </a:xfrm>
+          <a:prstGeom prst="rect">
+            <a:avLst/>
+          </a:prstGeom>
         </p:spPr>
-        <p:txBody>
-          <a:bodyPr/>
-          <a:lstStyle/>
-          <a:p>
-            <a:pPr lvl="1"/>
-            <a:r>
-              <a:rPr lang="en-CA" dirty="0" smtClean="0"/>
-              <a:t>Has A (Association, Aggregation, Composition)</a:t>
-            </a:r>
-          </a:p>
-          <a:p>
-            <a:pPr lvl="1"/>
-            <a:endParaRPr lang="en-CA" dirty="0"/>
-          </a:p>
-          <a:p>
-            <a:pPr lvl="1"/>
-            <a:r>
-              <a:rPr lang="en-CA" dirty="0" smtClean="0"/>
-              <a:t>Is A (inheritance)</a:t>
-            </a:r>
-          </a:p>
-        </p:txBody>
-      </p:sp>
+      </p:pic>
     </p:spTree>
     <p:extLst>
       <p:ext uri="{BB962C8B-B14F-4D97-AF65-F5344CB8AC3E}">
-        <p14:creationId xmlns:p14="http://schemas.microsoft.com/office/powerpoint/2010/main" val="330413581"/>
+        <p14:creationId xmlns:p14="http://schemas.microsoft.com/office/powerpoint/2010/main" val="52313072"/>
       </p:ext>
     </p:extLst>
   </p:cSld>
@@ -5951,13 +6753,6 @@
       <p:transition/>
     </mc:Fallback>
   </mc:AlternateContent>
-  <p:timing>
-    <p:tnLst>
-      <p:par>
-        <p:cTn id="1" dur="indefinite" restart="never" nodeType="tmRoot"/>
-      </p:par>
-    </p:tnLst>
-  </p:timing>
 </p:sld>
 </file>
 
@@ -5995,7 +6790,7 @@
           <a:p>
             <a:r>
               <a:rPr lang="en-CA" dirty="0" smtClean="0"/>
-              <a:t>Association</a:t>
+              <a:t>Integration Testing</a:t>
             </a:r>
             <a:endParaRPr lang="en-CA" dirty="0"/>
           </a:p>
@@ -6003,97 +6798,34 @@
       </p:sp>
       <p:pic>
         <p:nvPicPr>
-          <p:cNvPr id="1026" name="Picture 2" descr="http://upload.wikimedia.org/wikipedia/commons/4/4d/UML_role_example.gif"/>
+          <p:cNvPr id="3" name="Content Placeholder 2"/>
           <p:cNvPicPr>
-            <a:picLocks noGrp="1" noChangeAspect="1" noChangeArrowheads="1"/>
+            <a:picLocks noGrp="1" noChangeAspect="1"/>
           </p:cNvPicPr>
           <p:nvPr>
             <p:ph idx="1"/>
           </p:nvPr>
         </p:nvPicPr>
         <p:blipFill>
-          <a:blip r:embed="rId2">
-            <a:extLst>
-              <a:ext uri="{28A0092B-C50C-407E-A947-70E740481C1C}">
-                <a14:useLocalDpi xmlns:a14="http://schemas.microsoft.com/office/drawing/2010/main" val="0"/>
-              </a:ext>
-            </a:extLst>
-          </a:blip>
-          <a:srcRect/>
+          <a:blip r:embed="rId2"/>
           <a:stretch>
             <a:fillRect/>
           </a:stretch>
         </p:blipFill>
-        <p:spPr bwMode="auto">
+        <p:spPr>
           <a:xfrm>
-            <a:off x="1751038" y="2376136"/>
-            <a:ext cx="9137281" cy="1116572"/>
+            <a:off x="3452343" y="2157731"/>
+            <a:ext cx="4312561" cy="4028052"/>
           </a:xfrm>
           <a:prstGeom prst="rect">
             <a:avLst/>
           </a:prstGeom>
-          <a:noFill/>
-          <a:extLst>
-            <a:ext uri="{909E8E84-426E-40DD-AFC4-6F175D3DCCD1}">
-              <a14:hiddenFill xmlns:a14="http://schemas.microsoft.com/office/drawing/2010/main">
-                <a:solidFill>
-                  <a:srgbClr val="FFFFFF"/>
-                </a:solidFill>
-              </a14:hiddenFill>
-            </a:ext>
-          </a:extLst>
         </p:spPr>
       </p:pic>
-      <p:sp>
-        <p:nvSpPr>
-          <p:cNvPr id="4" name="TextBox 3"/>
-          <p:cNvSpPr txBox="1"/>
-          <p:nvPr/>
-        </p:nvSpPr>
-        <p:spPr>
-          <a:xfrm>
-            <a:off x="3377496" y="3711113"/>
-            <a:ext cx="5332229" cy="369332"/>
-          </a:xfrm>
-          <a:prstGeom prst="rect">
-            <a:avLst/>
-          </a:prstGeom>
-          <a:noFill/>
-        </p:spPr>
-        <p:txBody>
-          <a:bodyPr wrap="none" rtlCol="0">
-            <a:spAutoFit/>
-          </a:bodyPr>
-          <a:lstStyle/>
-          <a:p>
-            <a:r>
-              <a:rPr lang="en-CA" dirty="0"/>
-              <a:t>Taken from </a:t>
-            </a:r>
-            <a:r>
-              <a:rPr lang="en-CA" dirty="0">
-                <a:hlinkClick r:id="rId3"/>
-              </a:rPr>
-              <a:t>http://</a:t>
-            </a:r>
-            <a:r>
-              <a:rPr lang="en-CA" dirty="0" smtClean="0">
-                <a:hlinkClick r:id="rId3"/>
-              </a:rPr>
-              <a:t>en.wikipedia.org/wiki/Class_diagram</a:t>
-            </a:r>
-            <a:r>
-              <a:rPr lang="en-CA" dirty="0" smtClean="0"/>
-              <a:t> </a:t>
-            </a:r>
-            <a:endParaRPr lang="en-CA" dirty="0"/>
-          </a:p>
-        </p:txBody>
-      </p:sp>
     </p:spTree>
     <p:extLst>
       <p:ext uri="{BB962C8B-B14F-4D97-AF65-F5344CB8AC3E}">
-        <p14:creationId xmlns:p14="http://schemas.microsoft.com/office/powerpoint/2010/main" val="1676349451"/>
+        <p14:creationId xmlns:p14="http://schemas.microsoft.com/office/powerpoint/2010/main" val="1469325909"/>
       </p:ext>
     </p:extLst>
   </p:cSld>
@@ -6108,13 +6840,6 @@
       <p:transition/>
     </mc:Fallback>
   </mc:AlternateContent>
-  <p:timing>
-    <p:tnLst>
-      <p:par>
-        <p:cTn id="1" dur="indefinite" restart="never" nodeType="tmRoot"/>
-      </p:par>
-    </p:tnLst>
-  </p:timing>
 </p:sld>
 </file>
 
@@ -6623,6 +7348,15 @@
 </file>
 
 <file path=customXml/item2.xml><?xml version="1.0" encoding="utf-8"?>
+<?mso-contentType ?>
+<FormTemplates xmlns="http://schemas.microsoft.com/sharepoint/v3/contenttype/forms">
+  <Display>DocumentLibraryForm</Display>
+  <Edit>DocumentLibraryForm</Edit>
+  <New>DocumentLibraryForm</New>
+</FormTemplates>
+</file>
+
+<file path=customXml/item3.xml><?xml version="1.0" encoding="utf-8"?>
 <ct:contentTypeSchema xmlns:ct="http://schemas.microsoft.com/office/2006/metadata/contentType" xmlns:ma="http://schemas.microsoft.com/office/2006/metadata/properties/metaAttributes" ct:_="" ma:_="" ma:contentTypeName="Document" ma:contentTypeID="0x0101007C1D5F340F01F94FA2FD29A5E6DC872E" ma:contentTypeVersion="0" ma:contentTypeDescription="Create a new document." ma:contentTypeScope="" ma:versionID="f583bd66513a361a730282b6a794e352">
   <xsd:schema xmlns:xsd="http://www.w3.org/2001/XMLSchema" xmlns:xs="http://www.w3.org/2001/XMLSchema" xmlns:p="http://schemas.microsoft.com/office/2006/metadata/properties" targetNamespace="http://schemas.microsoft.com/office/2006/metadata/properties" ma:root="true" ma:fieldsID="6841151cf538834e171094e4faaf2d73">
     <xsd:element name="properties">
@@ -6736,15 +7470,6 @@
 </ct:contentTypeSchema>
 </file>
 
-<file path=customXml/item3.xml><?xml version="1.0" encoding="utf-8"?>
-<?mso-contentType ?>
-<FormTemplates xmlns="http://schemas.microsoft.com/sharepoint/v3/contenttype/forms">
-  <Display>DocumentLibraryForm</Display>
-  <Edit>DocumentLibraryForm</Edit>
-  <New>DocumentLibraryForm</New>
-</FormTemplates>
-</file>
-
 <file path=customXml/itemProps1.xml><?xml version="1.0" encoding="utf-8"?>
 <ds:datastoreItem xmlns:ds="http://schemas.openxmlformats.org/officeDocument/2006/customXml" ds:itemID="{FF71E0A8-DA6F-4DC5-84AA-9AE90625C277}">
   <ds:schemaRefs>
@@ -6761,6 +7486,14 @@
 </file>
 
 <file path=customXml/itemProps2.xml><?xml version="1.0" encoding="utf-8"?>
+<ds:datastoreItem xmlns:ds="http://schemas.openxmlformats.org/officeDocument/2006/customXml" ds:itemID="{76B64549-C1F2-49EA-8B2D-5EF61BF1CE56}">
+  <ds:schemaRefs>
+    <ds:schemaRef ds:uri="http://schemas.microsoft.com/sharepoint/v3/contenttype/forms"/>
+  </ds:schemaRefs>
+</ds:datastoreItem>
+</file>
+
+<file path=customXml/itemProps3.xml><?xml version="1.0" encoding="utf-8"?>
 <ds:datastoreItem xmlns:ds="http://schemas.openxmlformats.org/officeDocument/2006/customXml" ds:itemID="{29F17D79-05FE-43C7-A9B5-360E9D6B5ACC}">
   <ds:schemaRefs>
     <ds:schemaRef ds:uri="http://schemas.microsoft.com/office/2006/metadata/contentType"/>
@@ -6774,12 +7507,4 @@
     <ds:schemaRef ds:uri="http://schemas.microsoft.com/office/infopath/2007/PartnerControls"/>
   </ds:schemaRefs>
 </ds:datastoreItem>
-</file>
-
-<file path=customXml/itemProps3.xml><?xml version="1.0" encoding="utf-8"?>
-<ds:datastoreItem xmlns:ds="http://schemas.openxmlformats.org/officeDocument/2006/customXml" ds:itemID="{76B64549-C1F2-49EA-8B2D-5EF61BF1CE56}">
-  <ds:schemaRefs>
-    <ds:schemaRef ds:uri="http://schemas.microsoft.com/sharepoint/v3/contenttype/forms"/>
-  </ds:schemaRefs>
-</ds:datastoreItem>
 </file>